--- a/CSC380 Final Presentation.pptx
+++ b/CSC380 Final Presentation.pptx
@@ -11,7 +11,7 @@
     <p:sldId id="256" r:id="rId2"/>
     <p:sldId id="257" r:id="rId3"/>
     <p:sldId id="259" r:id="rId4"/>
-    <p:sldId id="260" r:id="rId5"/>
+    <p:sldId id="261" r:id="rId5"/>
   </p:sldIdLst>
   <p:sldSz cx="12192000" cy="6858000"/>
   <p:notesSz cx="6858000" cy="9144000"/>
@@ -110,6 +110,11 @@
       </a:defRPr>
     </a:lvl9pPr>
   </p:defaultTextStyle>
+  <p:extLst>
+    <p:ext uri="{EFAFB233-063F-42B5-8137-9DF3F51BA10A}">
+      <p15:sldGuideLst xmlns:p15="http://schemas.microsoft.com/office/powerpoint/2012/main"/>
+    </p:ext>
+  </p:extLst>
 </p:presentation>
 </file>
 
@@ -558,7 +563,7 @@
           <a:effectLst/>
           <a:extLst>
             <a:ext uri="{91240B29-F687-4f45-9708-019B960494DF}">
-              <a14:hiddenLine xmlns:a14="http://schemas.microsoft.com/office/drawing/2010/main" xmlns="" w="9525">
+              <a14:hiddenLine xmlns="" xmlns:a14="http://schemas.microsoft.com/office/drawing/2010/main" w="9525">
                 <a:solidFill>
                   <a:srgbClr val="000000"/>
                 </a:solidFill>
@@ -2068,7 +2073,7 @@
           <a:ln/>
           <a:extLst>
             <a:ext uri="{91240B29-F687-4f45-9708-019B960494DF}">
-              <a14:hiddenLine xmlns:a14="http://schemas.microsoft.com/office/drawing/2010/main" xmlns="" w="9525">
+              <a14:hiddenLine xmlns="" xmlns:a14="http://schemas.microsoft.com/office/drawing/2010/main" w="9525">
                 <a:solidFill>
                   <a:srgbClr val="000000"/>
                 </a:solidFill>
@@ -2340,7 +2345,7 @@
           <a:ln/>
           <a:extLst>
             <a:ext uri="{91240B29-F687-4f45-9708-019B960494DF}">
-              <a14:hiddenLine xmlns:a14="http://schemas.microsoft.com/office/drawing/2010/main" xmlns="" w="9525">
+              <a14:hiddenLine xmlns="" xmlns:a14="http://schemas.microsoft.com/office/drawing/2010/main" w="9525">
                 <a:solidFill>
                   <a:srgbClr val="000000"/>
                 </a:solidFill>
@@ -2620,7 +2625,7 @@
           <a:ln/>
           <a:extLst>
             <a:ext uri="{91240B29-F687-4f45-9708-019B960494DF}">
-              <a14:hiddenLine xmlns:a14="http://schemas.microsoft.com/office/drawing/2010/main" xmlns="" w="9525">
+              <a14:hiddenLine xmlns="" xmlns:a14="http://schemas.microsoft.com/office/drawing/2010/main" w="9525">
                 <a:solidFill>
                   <a:srgbClr val="000000"/>
                 </a:solidFill>
@@ -3240,7 +3245,7 @@
           <a:ln/>
           <a:extLst>
             <a:ext uri="{91240B29-F687-4f45-9708-019B960494DF}">
-              <a14:hiddenLine xmlns:a14="http://schemas.microsoft.com/office/drawing/2010/main" xmlns="" w="9525">
+              <a14:hiddenLine xmlns="" xmlns:a14="http://schemas.microsoft.com/office/drawing/2010/main" w="9525">
                 <a:solidFill>
                   <a:srgbClr val="000000"/>
                 </a:solidFill>
@@ -3576,7 +3581,7 @@
           <a:ln/>
           <a:extLst>
             <a:ext uri="{91240B29-F687-4f45-9708-019B960494DF}">
-              <a14:hiddenLine xmlns:a14="http://schemas.microsoft.com/office/drawing/2010/main" xmlns="" w="9525">
+              <a14:hiddenLine xmlns="" xmlns:a14="http://schemas.microsoft.com/office/drawing/2010/main" w="9525">
                 <a:solidFill>
                   <a:srgbClr val="000000"/>
                 </a:solidFill>
@@ -4050,7 +4055,7 @@
           <a:ln/>
           <a:extLst>
             <a:ext uri="{91240B29-F687-4f45-9708-019B960494DF}">
-              <a14:hiddenLine xmlns:a14="http://schemas.microsoft.com/office/drawing/2010/main" xmlns="" w="9525">
+              <a14:hiddenLine xmlns="" xmlns:a14="http://schemas.microsoft.com/office/drawing/2010/main" w="9525">
                 <a:solidFill>
                   <a:srgbClr val="000000"/>
                 </a:solidFill>
@@ -4473,7 +4478,7 @@
           <a:ln/>
           <a:extLst>
             <a:ext uri="{91240B29-F687-4f45-9708-019B960494DF}">
-              <a14:hiddenLine xmlns:a14="http://schemas.microsoft.com/office/drawing/2010/main" xmlns="" w="9525">
+              <a14:hiddenLine xmlns="" xmlns:a14="http://schemas.microsoft.com/office/drawing/2010/main" w="9525">
                 <a:solidFill>
                   <a:srgbClr val="000000"/>
                 </a:solidFill>
@@ -5860,7 +5865,6 @@
               <a:rPr lang="en-US" dirty="0"/>
               <a:t>In addition, prepare a presentation that you'll use during the final exam slot of the class. Make a few slides that introduce the team and the project, describe your code base and relevant parts of the document. You will have about 12 minutes per group: spend about 5 minutes presenting your slides, then about 5 minutes more doing a demonstration of your project in front of the class. Make sure you are ready to answer questions in the remaining minutes.</a:t>
             </a:r>
-            <a:endParaRPr lang="en-US" dirty="0"/>
           </a:p>
         </p:txBody>
       </p:sp>
@@ -5965,7 +5969,7 @@
           <a:bodyPr/>
           <a:lstStyle/>
           <a:p>
-            <a:endParaRPr lang="en-US"/>
+            <a:endParaRPr lang="en-US" dirty="0"/>
           </a:p>
         </p:txBody>
       </p:sp>
@@ -6014,7 +6018,11 @@
           <a:bodyPr/>
           <a:lstStyle/>
           <a:p>
-            <a:endParaRPr lang="en-US"/>
+            <a:r>
+              <a:rPr lang="en-US" dirty="0" smtClean="0"/>
+              <a:t>PUT CODE HERE</a:t>
+            </a:r>
+            <a:endParaRPr lang="en-US" dirty="0"/>
           </a:p>
         </p:txBody>
       </p:sp>
@@ -6025,6 +6033,31 @@
             <a:spLocks noGrp="1"/>
           </p:cNvSpPr>
           <p:nvPr>
+            <p:ph type="body" idx="1"/>
+          </p:nvPr>
+        </p:nvSpPr>
+        <p:spPr/>
+        <p:txBody>
+          <a:bodyPr/>
+          <a:lstStyle/>
+          <a:p>
+            <a:r>
+              <a:rPr lang="en-US" dirty="0" smtClean="0"/>
+              <a:t>Code Base</a:t>
+            </a:r>
+          </a:p>
+          <a:p>
+            <a:endParaRPr lang="en-US" dirty="0"/>
+          </a:p>
+        </p:txBody>
+      </p:sp>
+      <p:sp>
+        <p:nvSpPr>
+          <p:cNvPr id="4" name="Text Placeholder 3"/>
+          <p:cNvSpPr>
+            <a:spLocks noGrp="1"/>
+          </p:cNvSpPr>
+          <p:nvPr>
             <p:ph type="body" sz="quarter" idx="16"/>
           </p:nvPr>
         </p:nvSpPr>
@@ -6033,14 +6066,20 @@
           <a:bodyPr/>
           <a:lstStyle/>
           <a:p>
-            <a:endParaRPr lang="en-US"/>
+            <a:r>
+              <a:rPr lang="en-US" dirty="0" smtClean="0"/>
+              <a:t>Description of some of the code</a:t>
+            </a:r>
+          </a:p>
+          <a:p>
+            <a:endParaRPr lang="en-US" dirty="0"/>
           </a:p>
         </p:txBody>
       </p:sp>
     </p:spTree>
     <p:extLst>
       <p:ext uri="{BB962C8B-B14F-4D97-AF65-F5344CB8AC3E}">
-        <p14:creationId xmlns:p14="http://schemas.microsoft.com/office/powerpoint/2010/main" val="992537122"/>
+        <p14:creationId xmlns:p14="http://schemas.microsoft.com/office/powerpoint/2010/main" val="1680332155"/>
       </p:ext>
     </p:extLst>
   </p:cSld>

--- a/CSC380 Final Presentation.pptx
+++ b/CSC380 Final Presentation.pptx
@@ -5,13 +5,17 @@
     <p:sldMasterId id="2147483648" r:id="rId1"/>
   </p:sldMasterIdLst>
   <p:notesMasterIdLst>
-    <p:notesMasterId r:id="rId6"/>
+    <p:notesMasterId r:id="rId10"/>
   </p:notesMasterIdLst>
   <p:sldIdLst>
     <p:sldId id="256" r:id="rId2"/>
     <p:sldId id="257" r:id="rId3"/>
     <p:sldId id="259" r:id="rId4"/>
     <p:sldId id="261" r:id="rId5"/>
+    <p:sldId id="265" r:id="rId6"/>
+    <p:sldId id="263" r:id="rId7"/>
+    <p:sldId id="264" r:id="rId8"/>
+    <p:sldId id="262" r:id="rId9"/>
   </p:sldIdLst>
   <p:sldSz cx="12192000" cy="6858000"/>
   <p:notesSz cx="6858000" cy="9144000"/>
@@ -563,7 +567,7 @@
           <a:effectLst/>
           <a:extLst>
             <a:ext uri="{91240B29-F687-4f45-9708-019B960494DF}">
-              <a14:hiddenLine xmlns="" xmlns:a14="http://schemas.microsoft.com/office/drawing/2010/main" w="9525">
+              <a14:hiddenLine xmlns:a14="http://schemas.microsoft.com/office/drawing/2010/main" xmlns="" w="9525">
                 <a:solidFill>
                   <a:srgbClr val="000000"/>
                 </a:solidFill>
@@ -2073,7 +2077,7 @@
           <a:ln/>
           <a:extLst>
             <a:ext uri="{91240B29-F687-4f45-9708-019B960494DF}">
-              <a14:hiddenLine xmlns="" xmlns:a14="http://schemas.microsoft.com/office/drawing/2010/main" w="9525">
+              <a14:hiddenLine xmlns:a14="http://schemas.microsoft.com/office/drawing/2010/main" xmlns="" w="9525">
                 <a:solidFill>
                   <a:srgbClr val="000000"/>
                 </a:solidFill>
@@ -2345,7 +2349,7 @@
           <a:ln/>
           <a:extLst>
             <a:ext uri="{91240B29-F687-4f45-9708-019B960494DF}">
-              <a14:hiddenLine xmlns="" xmlns:a14="http://schemas.microsoft.com/office/drawing/2010/main" w="9525">
+              <a14:hiddenLine xmlns:a14="http://schemas.microsoft.com/office/drawing/2010/main" xmlns="" w="9525">
                 <a:solidFill>
                   <a:srgbClr val="000000"/>
                 </a:solidFill>
@@ -2625,7 +2629,7 @@
           <a:ln/>
           <a:extLst>
             <a:ext uri="{91240B29-F687-4f45-9708-019B960494DF}">
-              <a14:hiddenLine xmlns="" xmlns:a14="http://schemas.microsoft.com/office/drawing/2010/main" w="9525">
+              <a14:hiddenLine xmlns:a14="http://schemas.microsoft.com/office/drawing/2010/main" xmlns="" w="9525">
                 <a:solidFill>
                   <a:srgbClr val="000000"/>
                 </a:solidFill>
@@ -3245,7 +3249,7 @@
           <a:ln/>
           <a:extLst>
             <a:ext uri="{91240B29-F687-4f45-9708-019B960494DF}">
-              <a14:hiddenLine xmlns="" xmlns:a14="http://schemas.microsoft.com/office/drawing/2010/main" w="9525">
+              <a14:hiddenLine xmlns:a14="http://schemas.microsoft.com/office/drawing/2010/main" xmlns="" w="9525">
                 <a:solidFill>
                   <a:srgbClr val="000000"/>
                 </a:solidFill>
@@ -3581,7 +3585,7 @@
           <a:ln/>
           <a:extLst>
             <a:ext uri="{91240B29-F687-4f45-9708-019B960494DF}">
-              <a14:hiddenLine xmlns="" xmlns:a14="http://schemas.microsoft.com/office/drawing/2010/main" w="9525">
+              <a14:hiddenLine xmlns:a14="http://schemas.microsoft.com/office/drawing/2010/main" xmlns="" w="9525">
                 <a:solidFill>
                   <a:srgbClr val="000000"/>
                 </a:solidFill>
@@ -4055,7 +4059,7 @@
           <a:ln/>
           <a:extLst>
             <a:ext uri="{91240B29-F687-4f45-9708-019B960494DF}">
-              <a14:hiddenLine xmlns="" xmlns:a14="http://schemas.microsoft.com/office/drawing/2010/main" w="9525">
+              <a14:hiddenLine xmlns:a14="http://schemas.microsoft.com/office/drawing/2010/main" xmlns="" w="9525">
                 <a:solidFill>
                   <a:srgbClr val="000000"/>
                 </a:solidFill>
@@ -4478,7 +4482,7 @@
           <a:ln/>
           <a:extLst>
             <a:ext uri="{91240B29-F687-4f45-9708-019B960494DF}">
-              <a14:hiddenLine xmlns="" xmlns:a14="http://schemas.microsoft.com/office/drawing/2010/main" w="9525">
+              <a14:hiddenLine xmlns:a14="http://schemas.microsoft.com/office/drawing/2010/main" xmlns="" w="9525">
                 <a:solidFill>
                   <a:srgbClr val="000000"/>
                 </a:solidFill>
@@ -5969,6 +5973,12 @@
           <a:bodyPr/>
           <a:lstStyle/>
           <a:p>
+            <a:r>
+              <a:rPr lang="en-US" dirty="0" smtClean="0"/>
+              <a:t>Contributions:</a:t>
+            </a:r>
+          </a:p>
+          <a:p>
             <a:endParaRPr lang="en-US" dirty="0"/>
           </a:p>
         </p:txBody>
@@ -6013,40 +6023,90 @@
             <p:ph type="title"/>
           </p:nvPr>
         </p:nvSpPr>
-        <p:spPr/>
+        <p:spPr>
+          <a:xfrm>
+            <a:off x="850985" y="866120"/>
+            <a:ext cx="5893840" cy="2645912"/>
+          </a:xfrm>
+        </p:spPr>
         <p:txBody>
           <a:bodyPr/>
           <a:lstStyle/>
           <a:p>
-            <a:r>
-              <a:rPr lang="en-US" dirty="0" smtClean="0"/>
-              <a:t>PUT CODE HERE</a:t>
-            </a:r>
-            <a:endParaRPr lang="en-US" dirty="0"/>
-          </a:p>
-        </p:txBody>
-      </p:sp>
-      <p:sp>
-        <p:nvSpPr>
-          <p:cNvPr id="3" name="Text Placeholder 2"/>
-          <p:cNvSpPr>
-            <a:spLocks noGrp="1"/>
-          </p:cNvSpPr>
-          <p:nvPr>
-            <p:ph type="body" idx="1"/>
-          </p:nvPr>
-        </p:nvSpPr>
-        <p:spPr/>
-        <p:txBody>
-          <a:bodyPr/>
-          <a:lstStyle/>
-          <a:p>
+            <a:pPr algn="ctr"/>
+            <a:r>
+              <a:rPr lang="en-US" smtClean="0"/>
+              <a:t>Modular </a:t>
+            </a:r>
             <a:r>
               <a:rPr lang="en-US" dirty="0" smtClean="0"/>
               <a:t>Code Base</a:t>
             </a:r>
-          </a:p>
-          <a:p>
+            <a:br>
+              <a:rPr lang="en-US" dirty="0" smtClean="0"/>
+            </a:br>
+            <a:r>
+              <a:rPr lang="en-US" sz="1800" b="0" dirty="0" smtClean="0"/>
+              <a:t>[ Launcher, </a:t>
+            </a:r>
+            <a:r>
+              <a:rPr lang="en-US" sz="1800" b="0" dirty="0" err="1" smtClean="0"/>
+              <a:t>MenuBar</a:t>
+            </a:r>
+            <a:r>
+              <a:rPr lang="en-US" sz="1800" b="0" dirty="0" smtClean="0"/>
+              <a:t>, </a:t>
+            </a:r>
+            <a:r>
+              <a:rPr lang="en-US" sz="1800" b="0" dirty="0" err="1" smtClean="0"/>
+              <a:t>GuiApplication</a:t>
+            </a:r>
+            <a:r>
+              <a:rPr lang="en-US" sz="1800" b="0" dirty="0" smtClean="0"/>
+              <a:t>]</a:t>
+            </a:r>
+            <a:r>
+              <a:rPr lang="en-US" dirty="0"/>
+              <a:t/>
+            </a:r>
+            <a:br>
+              <a:rPr lang="en-US" dirty="0"/>
+            </a:br>
+            <a:r>
+              <a:rPr lang="en-US" dirty="0" smtClean="0"/>
+              <a:t/>
+            </a:r>
+            <a:br>
+              <a:rPr lang="en-US" dirty="0" smtClean="0"/>
+            </a:br>
+            <a:endParaRPr lang="en-US" dirty="0"/>
+          </a:p>
+        </p:txBody>
+      </p:sp>
+      <p:sp>
+        <p:nvSpPr>
+          <p:cNvPr id="3" name="Text Placeholder 2"/>
+          <p:cNvSpPr>
+            <a:spLocks noGrp="1"/>
+          </p:cNvSpPr>
+          <p:nvPr>
+            <p:ph type="body" idx="1"/>
+          </p:nvPr>
+        </p:nvSpPr>
+        <p:spPr>
+          <a:xfrm>
+            <a:off x="853190" y="4443680"/>
+            <a:ext cx="5891636" cy="1063502"/>
+          </a:xfrm>
+        </p:spPr>
+        <p:txBody>
+          <a:bodyPr/>
+          <a:lstStyle/>
+          <a:p>
+            <a:r>
+              <a:rPr lang="en-US"/>
+              <a:t>Implementing modular code base that can be easily added/removed without affecting other functionality. </a:t>
+            </a:r>
             <a:endParaRPr lang="en-US" dirty="0"/>
           </a:p>
         </p:txBody>
@@ -6061,18 +6121,56 @@
             <p:ph type="body" sz="quarter" idx="16"/>
           </p:nvPr>
         </p:nvSpPr>
-        <p:spPr/>
+        <p:spPr>
+          <a:xfrm>
+            <a:off x="7107382" y="873637"/>
+            <a:ext cx="4821382" cy="4075465"/>
+          </a:xfrm>
+        </p:spPr>
         <p:txBody>
           <a:bodyPr/>
           <a:lstStyle/>
           <a:p>
             <a:r>
+              <a:rPr lang="en-US" dirty="0" err="1" smtClean="0"/>
+              <a:t>GuiApplication</a:t>
+            </a:r>
+            <a:r>
               <a:rPr lang="en-US" dirty="0" smtClean="0"/>
-              <a:t>Description of some of the code</a:t>
-            </a:r>
-          </a:p>
-          <a:p>
-            <a:endParaRPr lang="en-US" dirty="0"/>
+              <a:t> is an interface for creating windows.</a:t>
+            </a:r>
+          </a:p>
+          <a:p>
+            <a:endParaRPr lang="en-US" dirty="0"/>
+          </a:p>
+          <a:p>
+            <a:r>
+              <a:rPr lang="en-US" dirty="0" err="1" smtClean="0"/>
+              <a:t>MenuBar</a:t>
+            </a:r>
+            <a:r>
+              <a:rPr lang="en-US" dirty="0" smtClean="0"/>
+              <a:t> is a standalone addition to our main stage. It only appears after login and can be added/remove easily.</a:t>
+            </a:r>
+          </a:p>
+          <a:p>
+            <a:endParaRPr lang="en-US" dirty="0"/>
+          </a:p>
+          <a:p>
+            <a:r>
+              <a:rPr lang="en-US" dirty="0" err="1" smtClean="0"/>
+              <a:t>BorderPane.setCenter</a:t>
+            </a:r>
+            <a:r>
+              <a:rPr lang="en-US" dirty="0" smtClean="0"/>
+              <a:t>() was used to dynamically change content on our existing main stage.</a:t>
+            </a:r>
+          </a:p>
+          <a:p>
+            <a:endParaRPr lang="en-US" dirty="0"/>
+          </a:p>
+          <a:p>
+            <a:endParaRPr lang="en-US" dirty="0" smtClean="0"/>
           </a:p>
         </p:txBody>
       </p:sp>
@@ -6080,6 +6178,621 @@
     <p:extLst>
       <p:ext uri="{BB962C8B-B14F-4D97-AF65-F5344CB8AC3E}">
         <p14:creationId xmlns:p14="http://schemas.microsoft.com/office/powerpoint/2010/main" val="1680332155"/>
+      </p:ext>
+    </p:extLst>
+  </p:cSld>
+  <p:clrMapOvr>
+    <a:masterClrMapping/>
+  </p:clrMapOvr>
+</p:sld>
+</file>
+
+<file path=ppt/slides/slide5.xml><?xml version="1.0" encoding="utf-8"?>
+<p:sld xmlns:a="http://schemas.openxmlformats.org/drawingml/2006/main" xmlns:r="http://schemas.openxmlformats.org/officeDocument/2006/relationships" xmlns:p="http://schemas.openxmlformats.org/presentationml/2006/main">
+  <p:cSld>
+    <p:spTree>
+      <p:nvGrpSpPr>
+        <p:cNvPr id="1" name=""/>
+        <p:cNvGrpSpPr/>
+        <p:nvPr/>
+      </p:nvGrpSpPr>
+      <p:grpSpPr>
+        <a:xfrm>
+          <a:off x="0" y="0"/>
+          <a:ext cx="0" cy="0"/>
+          <a:chOff x="0" y="0"/>
+          <a:chExt cx="0" cy="0"/>
+        </a:xfrm>
+      </p:grpSpPr>
+      <p:sp>
+        <p:nvSpPr>
+          <p:cNvPr id="6" name="Vertical Title 5"/>
+          <p:cNvSpPr>
+            <a:spLocks noGrp="1"/>
+          </p:cNvSpPr>
+          <p:nvPr>
+            <p:ph type="title" orient="vert"/>
+          </p:nvPr>
+        </p:nvSpPr>
+        <p:spPr>
+          <a:xfrm>
+            <a:off x="7934158" y="586171"/>
+            <a:ext cx="2494791" cy="5134798"/>
+          </a:xfrm>
+        </p:spPr>
+        <p:txBody>
+          <a:bodyPr/>
+          <a:lstStyle/>
+          <a:p>
+            <a:pPr algn="ctr"/>
+            <a:r>
+              <a:rPr lang="en-US" dirty="0" smtClean="0"/>
+              <a:t>GUI Application</a:t>
+            </a:r>
+            <a:endParaRPr lang="en-US" dirty="0"/>
+          </a:p>
+        </p:txBody>
+      </p:sp>
+      <p:sp>
+        <p:nvSpPr>
+          <p:cNvPr id="4" name="Text Placeholder 3"/>
+          <p:cNvSpPr>
+            <a:spLocks noGrp="1"/>
+          </p:cNvSpPr>
+          <p:nvPr>
+            <p:ph type="body" sz="quarter" idx="4294967295"/>
+          </p:nvPr>
+        </p:nvSpPr>
+        <p:spPr>
+          <a:xfrm>
+            <a:off x="8395854" y="586171"/>
+            <a:ext cx="3616037" cy="5134798"/>
+          </a:xfrm>
+        </p:spPr>
+        <p:txBody>
+          <a:bodyPr/>
+          <a:lstStyle/>
+          <a:p>
+            <a:pPr algn="ctr"/>
+            <a:r>
+              <a:rPr lang="en-US" dirty="0" smtClean="0"/>
+              <a:t>Ensures that </a:t>
+            </a:r>
+            <a:r>
+              <a:rPr lang="en-US" dirty="0"/>
+              <a:t>every window is organized and has all its dependencies.</a:t>
+            </a:r>
+          </a:p>
+          <a:p>
+            <a:pPr algn="ctr"/>
+            <a:endParaRPr lang="en-US" dirty="0" smtClean="0"/>
+          </a:p>
+          <a:p>
+            <a:pPr algn="ctr"/>
+            <a:r>
+              <a:rPr lang="en-US" dirty="0" smtClean="0"/>
+              <a:t>Every window was set with </a:t>
+            </a:r>
+            <a:r>
+              <a:rPr lang="en-US" dirty="0" err="1" smtClean="0"/>
+              <a:t>BorderPane.setCenter</a:t>
+            </a:r>
+            <a:r>
+              <a:rPr lang="en-US" dirty="0" smtClean="0"/>
+              <a:t>(); so our stage was dynamically changing content.</a:t>
+            </a:r>
+            <a:endParaRPr lang="en-US" dirty="0"/>
+          </a:p>
+        </p:txBody>
+      </p:sp>
+      <p:pic>
+        <p:nvPicPr>
+          <p:cNvPr id="5" name="Picture 4"/>
+          <p:cNvPicPr>
+            <a:picLocks noChangeAspect="1"/>
+          </p:cNvPicPr>
+          <p:nvPr/>
+        </p:nvPicPr>
+        <p:blipFill>
+          <a:blip r:embed="rId2"/>
+          <a:stretch>
+            <a:fillRect/>
+          </a:stretch>
+        </p:blipFill>
+        <p:spPr>
+          <a:xfrm>
+            <a:off x="764862" y="1342259"/>
+            <a:ext cx="6048890" cy="2481596"/>
+          </a:xfrm>
+          <a:prstGeom prst="rect">
+            <a:avLst/>
+          </a:prstGeom>
+        </p:spPr>
+      </p:pic>
+      <p:sp>
+        <p:nvSpPr>
+          <p:cNvPr id="7" name="Vertical Text Placeholder 6"/>
+          <p:cNvSpPr>
+            <a:spLocks noGrp="1"/>
+          </p:cNvSpPr>
+          <p:nvPr>
+            <p:ph type="body" orient="vert" idx="1"/>
+          </p:nvPr>
+        </p:nvSpPr>
+        <p:spPr/>
+        <p:txBody>
+          <a:bodyPr vert="horz"/>
+          <a:lstStyle/>
+          <a:p>
+            <a:endParaRPr lang="en-US" dirty="0" smtClean="0"/>
+          </a:p>
+          <a:p>
+            <a:endParaRPr lang="en-US" dirty="0"/>
+          </a:p>
+          <a:p>
+            <a:endParaRPr lang="en-US" dirty="0" smtClean="0"/>
+          </a:p>
+          <a:p>
+            <a:endParaRPr lang="en-US" dirty="0"/>
+          </a:p>
+          <a:p>
+            <a:endParaRPr lang="en-US" dirty="0" smtClean="0"/>
+          </a:p>
+          <a:p>
+            <a:endParaRPr lang="en-US" dirty="0"/>
+          </a:p>
+          <a:p>
+            <a:endParaRPr lang="en-US" dirty="0" smtClean="0"/>
+          </a:p>
+          <a:p>
+            <a:endParaRPr lang="en-US" dirty="0"/>
+          </a:p>
+          <a:p>
+            <a:endParaRPr lang="en-US" dirty="0" smtClean="0"/>
+          </a:p>
+          <a:p>
+            <a:r>
+              <a:rPr lang="en-US" dirty="0" err="1" smtClean="0"/>
+              <a:t>GuiApplication</a:t>
+            </a:r>
+            <a:r>
+              <a:rPr lang="en-US" dirty="0" smtClean="0"/>
+              <a:t> </a:t>
+            </a:r>
+            <a:r>
+              <a:rPr lang="en-US" dirty="0"/>
+              <a:t>is an interface that requires you implementation to create new a window view. </a:t>
+            </a:r>
+          </a:p>
+          <a:p>
+            <a:endParaRPr lang="en-US" dirty="0"/>
+          </a:p>
+        </p:txBody>
+      </p:sp>
+    </p:spTree>
+    <p:extLst>
+      <p:ext uri="{BB962C8B-B14F-4D97-AF65-F5344CB8AC3E}">
+        <p14:creationId xmlns:p14="http://schemas.microsoft.com/office/powerpoint/2010/main" val="1569892083"/>
+      </p:ext>
+    </p:extLst>
+  </p:cSld>
+  <p:clrMapOvr>
+    <a:masterClrMapping/>
+  </p:clrMapOvr>
+</p:sld>
+</file>
+
+<file path=ppt/slides/slide6.xml><?xml version="1.0" encoding="utf-8"?>
+<p:sld xmlns:a="http://schemas.openxmlformats.org/drawingml/2006/main" xmlns:r="http://schemas.openxmlformats.org/officeDocument/2006/relationships" xmlns:p="http://schemas.openxmlformats.org/presentationml/2006/main">
+  <p:cSld>
+    <p:spTree>
+      <p:nvGrpSpPr>
+        <p:cNvPr id="1" name=""/>
+        <p:cNvGrpSpPr/>
+        <p:nvPr/>
+      </p:nvGrpSpPr>
+      <p:grpSpPr>
+        <a:xfrm>
+          <a:off x="0" y="0"/>
+          <a:ext cx="0" cy="0"/>
+          <a:chOff x="0" y="0"/>
+          <a:chExt cx="0" cy="0"/>
+        </a:xfrm>
+      </p:grpSpPr>
+      <p:sp>
+        <p:nvSpPr>
+          <p:cNvPr id="2" name="Title 1"/>
+          <p:cNvSpPr>
+            <a:spLocks noGrp="1"/>
+          </p:cNvSpPr>
+          <p:nvPr>
+            <p:ph type="title"/>
+          </p:nvPr>
+        </p:nvSpPr>
+        <p:spPr/>
+        <p:txBody>
+          <a:bodyPr/>
+          <a:lstStyle/>
+          <a:p>
+            <a:pPr algn="ctr"/>
+            <a:r>
+              <a:rPr lang="en-US" dirty="0" smtClean="0"/>
+              <a:t>Static Methodology </a:t>
+            </a:r>
+            <a:br>
+              <a:rPr lang="en-US" dirty="0" smtClean="0"/>
+            </a:br>
+            <a:r>
+              <a:rPr lang="en-US" sz="1800" b="0" dirty="0" smtClean="0"/>
+              <a:t>[ </a:t>
+            </a:r>
+            <a:r>
+              <a:rPr lang="en-US" sz="1800" b="0" dirty="0" err="1" smtClean="0"/>
+              <a:t>APZState</a:t>
+            </a:r>
+            <a:r>
+              <a:rPr lang="en-US" sz="1800" b="0" dirty="0" smtClean="0"/>
+              <a:t>, </a:t>
+            </a:r>
+            <a:r>
+              <a:rPr lang="en-US" sz="1800" b="0" dirty="0" err="1" smtClean="0"/>
+              <a:t>AdminState</a:t>
+            </a:r>
+            <a:r>
+              <a:rPr lang="en-US" sz="1800" b="0" dirty="0" smtClean="0"/>
+              <a:t>, </a:t>
+            </a:r>
+            <a:r>
+              <a:rPr lang="en-US" sz="1800" b="0" dirty="0" err="1" smtClean="0"/>
+              <a:t>FilePath</a:t>
+            </a:r>
+            <a:r>
+              <a:rPr lang="en-US" sz="1800" b="0" dirty="0" smtClean="0"/>
+              <a:t>]</a:t>
+            </a:r>
+            <a:r>
+              <a:rPr lang="en-US" dirty="0"/>
+              <a:t/>
+            </a:r>
+            <a:br>
+              <a:rPr lang="en-US" dirty="0"/>
+            </a:br>
+            <a:r>
+              <a:rPr lang="en-US" dirty="0" smtClean="0"/>
+              <a:t/>
+            </a:r>
+            <a:br>
+              <a:rPr lang="en-US" dirty="0" smtClean="0"/>
+            </a:br>
+            <a:endParaRPr lang="en-US" dirty="0"/>
+          </a:p>
+        </p:txBody>
+      </p:sp>
+      <p:sp>
+        <p:nvSpPr>
+          <p:cNvPr id="3" name="Text Placeholder 2"/>
+          <p:cNvSpPr>
+            <a:spLocks noGrp="1"/>
+          </p:cNvSpPr>
+          <p:nvPr>
+            <p:ph type="body" idx="1"/>
+          </p:nvPr>
+        </p:nvSpPr>
+        <p:spPr>
+          <a:xfrm>
+            <a:off x="853190" y="4443680"/>
+            <a:ext cx="5891636" cy="1146629"/>
+          </a:xfrm>
+        </p:spPr>
+        <p:txBody>
+          <a:bodyPr/>
+          <a:lstStyle/>
+          <a:p>
+            <a:r>
+              <a:rPr lang="en-US" dirty="0" smtClean="0"/>
+              <a:t>Implementing static methods and variables that can be accessed multiple times in a singleton manner.</a:t>
+            </a:r>
+            <a:endParaRPr lang="en-US" dirty="0"/>
+          </a:p>
+        </p:txBody>
+      </p:sp>
+      <p:sp>
+        <p:nvSpPr>
+          <p:cNvPr id="4" name="Text Placeholder 3"/>
+          <p:cNvSpPr>
+            <a:spLocks noGrp="1"/>
+          </p:cNvSpPr>
+          <p:nvPr>
+            <p:ph type="body" sz="quarter" idx="16"/>
+          </p:nvPr>
+        </p:nvSpPr>
+        <p:spPr/>
+        <p:txBody>
+          <a:bodyPr/>
+          <a:lstStyle/>
+          <a:p>
+            <a:r>
+              <a:rPr lang="en-US" dirty="0" err="1" smtClean="0"/>
+              <a:t>APZState</a:t>
+            </a:r>
+            <a:r>
+              <a:rPr lang="en-US" dirty="0" smtClean="0"/>
+              <a:t> would save our user information.</a:t>
+            </a:r>
+          </a:p>
+          <a:p>
+            <a:endParaRPr lang="en-US" dirty="0"/>
+          </a:p>
+          <a:p>
+            <a:r>
+              <a:rPr lang="en-US" dirty="0" err="1" smtClean="0"/>
+              <a:t>AdminState</a:t>
+            </a:r>
+            <a:r>
+              <a:rPr lang="en-US" dirty="0" smtClean="0"/>
+              <a:t> saved software configured files.</a:t>
+            </a:r>
+          </a:p>
+          <a:p>
+            <a:endParaRPr lang="en-US" dirty="0"/>
+          </a:p>
+          <a:p>
+            <a:r>
+              <a:rPr lang="en-US" dirty="0" smtClean="0"/>
+              <a:t>File Path would save paths to files via String.</a:t>
+            </a:r>
+          </a:p>
+        </p:txBody>
+      </p:sp>
+    </p:spTree>
+    <p:extLst>
+      <p:ext uri="{BB962C8B-B14F-4D97-AF65-F5344CB8AC3E}">
+        <p14:creationId xmlns:p14="http://schemas.microsoft.com/office/powerpoint/2010/main" val="1500599546"/>
+      </p:ext>
+    </p:extLst>
+  </p:cSld>
+  <p:clrMapOvr>
+    <a:masterClrMapping/>
+  </p:clrMapOvr>
+</p:sld>
+</file>
+
+<file path=ppt/slides/slide7.xml><?xml version="1.0" encoding="utf-8"?>
+<p:sld xmlns:a="http://schemas.openxmlformats.org/drawingml/2006/main" xmlns:r="http://schemas.openxmlformats.org/officeDocument/2006/relationships" xmlns:p="http://schemas.openxmlformats.org/presentationml/2006/main">
+  <p:cSld>
+    <p:spTree>
+      <p:nvGrpSpPr>
+        <p:cNvPr id="1" name=""/>
+        <p:cNvGrpSpPr/>
+        <p:nvPr/>
+      </p:nvGrpSpPr>
+      <p:grpSpPr>
+        <a:xfrm>
+          <a:off x="0" y="0"/>
+          <a:ext cx="0" cy="0"/>
+          <a:chOff x="0" y="0"/>
+          <a:chExt cx="0" cy="0"/>
+        </a:xfrm>
+      </p:grpSpPr>
+      <p:sp>
+        <p:nvSpPr>
+          <p:cNvPr id="2" name="Title 1"/>
+          <p:cNvSpPr>
+            <a:spLocks noGrp="1"/>
+          </p:cNvSpPr>
+          <p:nvPr>
+            <p:ph type="title"/>
+          </p:nvPr>
+        </p:nvSpPr>
+        <p:spPr/>
+        <p:txBody>
+          <a:bodyPr/>
+          <a:lstStyle/>
+          <a:p>
+            <a:endParaRPr lang="en-US"/>
+          </a:p>
+        </p:txBody>
+      </p:sp>
+      <p:sp>
+        <p:nvSpPr>
+          <p:cNvPr id="3" name="Text Placeholder 2"/>
+          <p:cNvSpPr>
+            <a:spLocks noGrp="1"/>
+          </p:cNvSpPr>
+          <p:nvPr>
+            <p:ph type="body" idx="1"/>
+          </p:nvPr>
+        </p:nvSpPr>
+        <p:spPr>
+          <a:xfrm>
+            <a:off x="853190" y="4443680"/>
+            <a:ext cx="5891636" cy="1250538"/>
+          </a:xfrm>
+        </p:spPr>
+        <p:txBody>
+          <a:bodyPr/>
+          <a:lstStyle/>
+          <a:p>
+            <a:r>
+              <a:rPr lang="en-US" dirty="0" smtClean="0"/>
+              <a:t>This static classes with public static variables can be called via </a:t>
+            </a:r>
+            <a:r>
+              <a:rPr lang="en-US" b="1" dirty="0" err="1" smtClean="0"/>
+              <a:t>ClassName.Variable</a:t>
+            </a:r>
+            <a:endParaRPr lang="en-US" b="1" dirty="0"/>
+          </a:p>
+        </p:txBody>
+      </p:sp>
+      <p:sp>
+        <p:nvSpPr>
+          <p:cNvPr id="4" name="Text Placeholder 3"/>
+          <p:cNvSpPr>
+            <a:spLocks noGrp="1"/>
+          </p:cNvSpPr>
+          <p:nvPr>
+            <p:ph type="body" sz="quarter" idx="16"/>
+          </p:nvPr>
+        </p:nvSpPr>
+        <p:spPr>
+          <a:xfrm>
+            <a:off x="7221350" y="1074980"/>
+            <a:ext cx="4617358" cy="4075465"/>
+          </a:xfrm>
+        </p:spPr>
+        <p:txBody>
+          <a:bodyPr/>
+          <a:lstStyle/>
+          <a:p>
+            <a:r>
+              <a:rPr lang="en-US" dirty="0" err="1" smtClean="0"/>
+              <a:t>FilePath</a:t>
+            </a:r>
+            <a:r>
+              <a:rPr lang="en-US" dirty="0" smtClean="0"/>
+              <a:t> for example was used to set the path for images. Instead of navigating through code and changing the path if need be, we had a file path class where we stored all the paths.</a:t>
+            </a:r>
+          </a:p>
+          <a:p>
+            <a:endParaRPr lang="en-US" dirty="0" smtClean="0"/>
+          </a:p>
+          <a:p>
+            <a:r>
+              <a:rPr lang="en-US" dirty="0" smtClean="0"/>
+              <a:t>Ex. new Image(</a:t>
+            </a:r>
+            <a:r>
+              <a:rPr lang="en-US" dirty="0" err="1" smtClean="0"/>
+              <a:t>FilePath.LOGO_IMAGE</a:t>
+            </a:r>
+            <a:r>
+              <a:rPr lang="en-US" dirty="0" smtClean="0"/>
+              <a:t>);</a:t>
+            </a:r>
+            <a:endParaRPr lang="en-US" dirty="0"/>
+          </a:p>
+        </p:txBody>
+      </p:sp>
+      <p:pic>
+        <p:nvPicPr>
+          <p:cNvPr id="5" name="Picture 4"/>
+          <p:cNvPicPr>
+            <a:picLocks noChangeAspect="1"/>
+          </p:cNvPicPr>
+          <p:nvPr/>
+        </p:nvPicPr>
+        <p:blipFill>
+          <a:blip r:embed="rId2"/>
+          <a:stretch>
+            <a:fillRect/>
+          </a:stretch>
+        </p:blipFill>
+        <p:spPr>
+          <a:xfrm>
+            <a:off x="692755" y="1158108"/>
+            <a:ext cx="6210300" cy="2806700"/>
+          </a:xfrm>
+          <a:prstGeom prst="rect">
+            <a:avLst/>
+          </a:prstGeom>
+        </p:spPr>
+      </p:pic>
+    </p:spTree>
+    <p:extLst>
+      <p:ext uri="{BB962C8B-B14F-4D97-AF65-F5344CB8AC3E}">
+        <p14:creationId xmlns:p14="http://schemas.microsoft.com/office/powerpoint/2010/main" val="1362189133"/>
+      </p:ext>
+    </p:extLst>
+  </p:cSld>
+  <p:clrMapOvr>
+    <a:masterClrMapping/>
+  </p:clrMapOvr>
+</p:sld>
+</file>
+
+<file path=ppt/slides/slide8.xml><?xml version="1.0" encoding="utf-8"?>
+<p:sld xmlns:a="http://schemas.openxmlformats.org/drawingml/2006/main" xmlns:r="http://schemas.openxmlformats.org/officeDocument/2006/relationships" xmlns:p="http://schemas.openxmlformats.org/presentationml/2006/main">
+  <p:cSld>
+    <p:spTree>
+      <p:nvGrpSpPr>
+        <p:cNvPr id="1" name=""/>
+        <p:cNvGrpSpPr/>
+        <p:nvPr/>
+      </p:nvGrpSpPr>
+      <p:grpSpPr>
+        <a:xfrm>
+          <a:off x="0" y="0"/>
+          <a:ext cx="0" cy="0"/>
+          <a:chOff x="0" y="0"/>
+          <a:chExt cx="0" cy="0"/>
+        </a:xfrm>
+      </p:grpSpPr>
+      <p:sp>
+        <p:nvSpPr>
+          <p:cNvPr id="2" name="Title 1"/>
+          <p:cNvSpPr>
+            <a:spLocks noGrp="1"/>
+          </p:cNvSpPr>
+          <p:nvPr>
+            <p:ph type="title"/>
+          </p:nvPr>
+        </p:nvSpPr>
+        <p:spPr/>
+        <p:txBody>
+          <a:bodyPr/>
+          <a:lstStyle/>
+          <a:p>
+            <a:r>
+              <a:rPr lang="en-US" dirty="0" smtClean="0"/>
+              <a:t>Document relevant parts</a:t>
+            </a:r>
+            <a:endParaRPr lang="en-US" dirty="0"/>
+          </a:p>
+        </p:txBody>
+      </p:sp>
+      <p:sp>
+        <p:nvSpPr>
+          <p:cNvPr id="3" name="Text Placeholder 2"/>
+          <p:cNvSpPr>
+            <a:spLocks noGrp="1"/>
+          </p:cNvSpPr>
+          <p:nvPr>
+            <p:ph type="body" idx="1"/>
+          </p:nvPr>
+        </p:nvSpPr>
+        <p:spPr/>
+        <p:txBody>
+          <a:bodyPr/>
+          <a:lstStyle/>
+          <a:p>
+            <a:endParaRPr lang="en-US"/>
+          </a:p>
+        </p:txBody>
+      </p:sp>
+      <p:sp>
+        <p:nvSpPr>
+          <p:cNvPr id="4" name="Text Placeholder 3"/>
+          <p:cNvSpPr>
+            <a:spLocks noGrp="1"/>
+          </p:cNvSpPr>
+          <p:nvPr>
+            <p:ph type="body" sz="quarter" idx="16"/>
+          </p:nvPr>
+        </p:nvSpPr>
+        <p:spPr/>
+        <p:txBody>
+          <a:bodyPr/>
+          <a:lstStyle/>
+          <a:p>
+            <a:endParaRPr lang="en-US"/>
+          </a:p>
+        </p:txBody>
+      </p:sp>
+    </p:spTree>
+    <p:extLst>
+      <p:ext uri="{BB962C8B-B14F-4D97-AF65-F5344CB8AC3E}">
+        <p14:creationId xmlns:p14="http://schemas.microsoft.com/office/powerpoint/2010/main" val="1162034566"/>
       </p:ext>
     </p:extLst>
   </p:cSld>

--- a/CSC380 Final Presentation.pptx
+++ b/CSC380 Final Presentation.pptx
@@ -9,12 +9,12 @@
   </p:notesMasterIdLst>
   <p:sldIdLst>
     <p:sldId id="256" r:id="rId2"/>
-    <p:sldId id="257" r:id="rId3"/>
-    <p:sldId id="259" r:id="rId4"/>
-    <p:sldId id="261" r:id="rId5"/>
-    <p:sldId id="265" r:id="rId6"/>
-    <p:sldId id="263" r:id="rId7"/>
-    <p:sldId id="264" r:id="rId8"/>
+    <p:sldId id="259" r:id="rId3"/>
+    <p:sldId id="267" r:id="rId4"/>
+    <p:sldId id="265" r:id="rId5"/>
+    <p:sldId id="268" r:id="rId6"/>
+    <p:sldId id="269" r:id="rId7"/>
+    <p:sldId id="270" r:id="rId8"/>
     <p:sldId id="262" r:id="rId9"/>
   </p:sldIdLst>
   <p:sldSz cx="12192000" cy="6858000"/>
@@ -5846,36 +5846,108 @@
           <a:bodyPr/>
           <a:lstStyle/>
           <a:p>
-            <a:endParaRPr lang="en-US" dirty="0"/>
-          </a:p>
-        </p:txBody>
-      </p:sp>
-      <p:sp>
-        <p:nvSpPr>
-          <p:cNvPr id="3" name="Content Placeholder 2"/>
-          <p:cNvSpPr>
-            <a:spLocks noGrp="1"/>
-          </p:cNvSpPr>
-          <p:nvPr>
-            <p:ph idx="1"/>
-          </p:nvPr>
-        </p:nvSpPr>
-        <p:spPr/>
+            <a:r>
+              <a:rPr lang="en-US" dirty="0" smtClean="0"/>
+              <a:t>Team Members</a:t>
+            </a:r>
+            <a:br>
+              <a:rPr lang="en-US" dirty="0" smtClean="0"/>
+            </a:br>
+            <a:r>
+              <a:rPr lang="en-US" b="0" dirty="0" smtClean="0"/>
+              <a:t>Andrew </a:t>
+            </a:r>
+            <a:r>
+              <a:rPr lang="en-US" b="0" dirty="0" err="1" smtClean="0"/>
+              <a:t>Spano</a:t>
+            </a:r>
+            <a:r>
+              <a:rPr lang="en-US" b="0" dirty="0" smtClean="0"/>
+              <a:t/>
+            </a:r>
+            <a:br>
+              <a:rPr lang="en-US" b="0" dirty="0" smtClean="0"/>
+            </a:br>
+            <a:r>
+              <a:rPr lang="en-US" b="0" dirty="0" smtClean="0"/>
+              <a:t>Jimmy Nguyen</a:t>
+            </a:r>
+            <a:br>
+              <a:rPr lang="en-US" b="0" dirty="0" smtClean="0"/>
+            </a:br>
+            <a:r>
+              <a:rPr lang="en-US" b="0" dirty="0" smtClean="0"/>
+              <a:t>Zachary </a:t>
+            </a:r>
+            <a:r>
+              <a:rPr lang="en-US" b="0" dirty="0" err="1" smtClean="0"/>
+              <a:t>Gudlin</a:t>
+            </a:r>
+            <a:endParaRPr lang="en-US" b="0" dirty="0"/>
+          </a:p>
+        </p:txBody>
+      </p:sp>
+      <p:sp>
+        <p:nvSpPr>
+          <p:cNvPr id="3" name="Text Placeholder 2"/>
+          <p:cNvSpPr>
+            <a:spLocks noGrp="1"/>
+          </p:cNvSpPr>
+          <p:nvPr>
+            <p:ph type="body" sz="quarter" idx="16"/>
+          </p:nvPr>
+        </p:nvSpPr>
+        <p:spPr>
+          <a:xfrm>
+            <a:off x="7082541" y="331952"/>
+            <a:ext cx="4880300" cy="2295525"/>
+          </a:xfrm>
+        </p:spPr>
         <p:txBody>
           <a:bodyPr/>
           <a:lstStyle/>
           <a:p>
             <a:r>
-              <a:rPr lang="en-US" dirty="0"/>
-              <a:t>In addition, prepare a presentation that you'll use during the final exam slot of the class. Make a few slides that introduce the team and the project, describe your code base and relevant parts of the document. You will have about 12 minutes per group: spend about 5 minutes presenting your slides, then about 5 minutes more doing a demonstration of your project in front of the class. Make sure you are ready to answer questions in the remaining minutes.</a:t>
-            </a:r>
-          </a:p>
-        </p:txBody>
-      </p:sp>
+              <a:rPr lang="en-US" dirty="0" smtClean="0"/>
+              <a:t>Contributions:</a:t>
+            </a:r>
+          </a:p>
+          <a:p>
+            <a:endParaRPr lang="en-US" dirty="0" smtClean="0"/>
+          </a:p>
+          <a:p>
+            <a:endParaRPr lang="en-US" dirty="0"/>
+          </a:p>
+        </p:txBody>
+      </p:sp>
+      <p:pic>
+        <p:nvPicPr>
+          <p:cNvPr id="4" name="Picture 3"/>
+          <p:cNvPicPr>
+            <a:picLocks noChangeAspect="1"/>
+          </p:cNvPicPr>
+          <p:nvPr/>
+        </p:nvPicPr>
+        <p:blipFill>
+          <a:blip r:embed="rId2"/>
+          <a:stretch>
+            <a:fillRect/>
+          </a:stretch>
+        </p:blipFill>
+        <p:spPr>
+          <a:xfrm>
+            <a:off x="6446422" y="923636"/>
+            <a:ext cx="3708400" cy="5384800"/>
+          </a:xfrm>
+          <a:prstGeom prst="rect">
+            <a:avLst/>
+          </a:prstGeom>
+        </p:spPr>
+      </p:pic>
     </p:spTree>
     <p:extLst>
       <p:ext uri="{BB962C8B-B14F-4D97-AF65-F5344CB8AC3E}">
-        <p14:creationId xmlns:p14="http://schemas.microsoft.com/office/powerpoint/2010/main" val="17228058"/>
+        <p14:creationId xmlns:p14="http://schemas.microsoft.com/office/powerpoint/2010/main" val="698682766"/>
       </p:ext>
     </p:extLst>
   </p:cSld>
@@ -5904,7 +5976,7 @@
       </p:grpSpPr>
       <p:sp>
         <p:nvSpPr>
-          <p:cNvPr id="2" name="Title 1"/>
+          <p:cNvPr id="5" name="Title 4"/>
           <p:cNvSpPr>
             <a:spLocks noGrp="1"/>
           </p:cNvSpPr>
@@ -5917,66 +5989,144 @@
           <a:bodyPr/>
           <a:lstStyle/>
           <a:p>
+            <a:pPr algn="ctr"/>
+            <a:r>
+              <a:rPr lang="en-US" dirty="0"/>
+              <a:t>Modular Code Base</a:t>
+            </a:r>
+            <a:br>
+              <a:rPr lang="en-US" dirty="0"/>
+            </a:br>
+            <a:r>
+              <a:rPr lang="en-US" sz="1600" b="0" dirty="0"/>
+              <a:t>[ Launcher, </a:t>
+            </a:r>
+            <a:r>
+              <a:rPr lang="en-US" sz="1600" b="0" dirty="0" err="1"/>
+              <a:t>MenuBar</a:t>
+            </a:r>
+            <a:r>
+              <a:rPr lang="en-US" sz="1600" b="0" dirty="0"/>
+              <a:t>, </a:t>
+            </a:r>
+            <a:r>
+              <a:rPr lang="en-US" sz="1600" b="0" dirty="0" err="1"/>
+              <a:t>GuiApplication</a:t>
+            </a:r>
+            <a:r>
+              <a:rPr lang="en-US" sz="1600" b="0" dirty="0"/>
+              <a:t>]</a:t>
+            </a:r>
+            <a:endParaRPr lang="en-US" sz="1600" dirty="0"/>
+          </a:p>
+        </p:txBody>
+      </p:sp>
+      <p:sp>
+        <p:nvSpPr>
+          <p:cNvPr id="6" name="Content Placeholder 5"/>
+          <p:cNvSpPr>
+            <a:spLocks noGrp="1"/>
+          </p:cNvSpPr>
+          <p:nvPr>
+            <p:ph sz="half" idx="1"/>
+          </p:nvPr>
+        </p:nvSpPr>
+        <p:spPr/>
+        <p:txBody>
+          <a:bodyPr/>
+          <a:lstStyle/>
+          <a:p>
+            <a:r>
+              <a:rPr lang="en-US" dirty="0"/>
+              <a:t>Implementing modular code base that can be easily added/removed without affecting other functionality. </a:t>
+            </a:r>
+            <a:endParaRPr lang="en-US" dirty="0" smtClean="0"/>
+          </a:p>
+          <a:p>
+            <a:endParaRPr lang="en-US" dirty="0"/>
+          </a:p>
+          <a:p>
+            <a:endParaRPr lang="en-US" dirty="0" smtClean="0"/>
+          </a:p>
+          <a:p>
+            <a:endParaRPr lang="en-US" dirty="0"/>
+          </a:p>
+          <a:p>
+            <a:endParaRPr lang="en-US" dirty="0" smtClean="0"/>
+          </a:p>
+          <a:p>
+            <a:endParaRPr lang="en-US" dirty="0"/>
+          </a:p>
+          <a:p>
+            <a:endParaRPr lang="en-US" dirty="0"/>
+          </a:p>
+        </p:txBody>
+      </p:sp>
+      <p:sp>
+        <p:nvSpPr>
+          <p:cNvPr id="7" name="Content Placeholder 6"/>
+          <p:cNvSpPr>
+            <a:spLocks noGrp="1"/>
+          </p:cNvSpPr>
+          <p:nvPr>
+            <p:ph sz="half" idx="2"/>
+          </p:nvPr>
+        </p:nvSpPr>
+        <p:spPr>
+          <a:xfrm>
+            <a:off x="6187415" y="2222287"/>
+            <a:ext cx="5194583" cy="4074604"/>
+          </a:xfrm>
+        </p:spPr>
+        <p:txBody>
+          <a:bodyPr/>
+          <a:lstStyle/>
+          <a:p>
+            <a:r>
+              <a:rPr lang="en-US" dirty="0" err="1"/>
+              <a:t>GuiApplication</a:t>
+            </a:r>
+            <a:r>
+              <a:rPr lang="en-US" dirty="0"/>
+              <a:t> is an interface for </a:t>
+            </a:r>
             <a:r>
               <a:rPr lang="en-US" dirty="0" smtClean="0"/>
-              <a:t>Team Members</a:t>
-            </a:r>
-            <a:br>
-              <a:rPr lang="en-US" dirty="0" smtClean="0"/>
-            </a:br>
-            <a:r>
-              <a:rPr lang="en-US" b="0" dirty="0" smtClean="0"/>
-              <a:t>Andrew </a:t>
-            </a:r>
-            <a:r>
-              <a:rPr lang="en-US" b="0" dirty="0" err="1" smtClean="0"/>
-              <a:t>Spano</a:t>
-            </a:r>
-            <a:r>
-              <a:rPr lang="en-US" b="0" dirty="0" smtClean="0"/>
-              <a:t/>
-            </a:r>
-            <a:br>
-              <a:rPr lang="en-US" b="0" dirty="0" smtClean="0"/>
-            </a:br>
-            <a:r>
-              <a:rPr lang="en-US" b="0" dirty="0" smtClean="0"/>
-              <a:t>Jimmy Nguyen</a:t>
-            </a:r>
-            <a:br>
-              <a:rPr lang="en-US" b="0" dirty="0" smtClean="0"/>
-            </a:br>
-            <a:r>
-              <a:rPr lang="en-US" b="0" dirty="0" smtClean="0"/>
-              <a:t>Zachary </a:t>
-            </a:r>
-            <a:r>
-              <a:rPr lang="en-US" b="0" dirty="0" err="1" smtClean="0"/>
-              <a:t>Gudlin</a:t>
-            </a:r>
-            <a:endParaRPr lang="en-US" b="0" dirty="0"/>
-          </a:p>
-        </p:txBody>
-      </p:sp>
-      <p:sp>
-        <p:nvSpPr>
-          <p:cNvPr id="3" name="Text Placeholder 2"/>
-          <p:cNvSpPr>
-            <a:spLocks noGrp="1"/>
-          </p:cNvSpPr>
-          <p:nvPr>
-            <p:ph type="body" sz="quarter" idx="16"/>
-          </p:nvPr>
-        </p:nvSpPr>
-        <p:spPr/>
-        <p:txBody>
-          <a:bodyPr/>
-          <a:lstStyle/>
-          <a:p>
-            <a:r>
-              <a:rPr lang="en-US" dirty="0" smtClean="0"/>
-              <a:t>Contributions:</a:t>
-            </a:r>
+              <a:t>creating </a:t>
+            </a:r>
+            <a:r>
+              <a:rPr lang="en-US" dirty="0"/>
+              <a:t>windows.</a:t>
+            </a:r>
+          </a:p>
+          <a:p>
+            <a:endParaRPr lang="en-US" dirty="0"/>
+          </a:p>
+          <a:p>
+            <a:r>
+              <a:rPr lang="en-US" dirty="0" err="1"/>
+              <a:t>MenuBar</a:t>
+            </a:r>
+            <a:r>
+              <a:rPr lang="en-US" dirty="0"/>
+              <a:t> is a standalone addition to our main stage. It only appears after login and can be added/remove easily.</a:t>
+            </a:r>
+          </a:p>
+          <a:p>
+            <a:endParaRPr lang="en-US" dirty="0"/>
+          </a:p>
+          <a:p>
+            <a:r>
+              <a:rPr lang="en-US" dirty="0" err="1"/>
+              <a:t>BorderPane.setCenter</a:t>
+            </a:r>
+            <a:r>
+              <a:rPr lang="en-US" dirty="0"/>
+              <a:t>() was used to dynamically change content on our existing main stage.</a:t>
+            </a:r>
+          </a:p>
+          <a:p>
+            <a:endParaRPr lang="en-US" dirty="0"/>
           </a:p>
           <a:p>
             <a:endParaRPr lang="en-US" dirty="0"/>
@@ -5986,7 +6136,7 @@
     </p:spTree>
     <p:extLst>
       <p:ext uri="{BB962C8B-B14F-4D97-AF65-F5344CB8AC3E}">
-        <p14:creationId xmlns:p14="http://schemas.microsoft.com/office/powerpoint/2010/main" val="698682766"/>
+        <p14:creationId xmlns:p14="http://schemas.microsoft.com/office/powerpoint/2010/main" val="804963234"/>
       </p:ext>
     </p:extLst>
   </p:cSld>
@@ -6015,169 +6165,159 @@
       </p:grpSpPr>
       <p:sp>
         <p:nvSpPr>
-          <p:cNvPr id="2" name="Title 1"/>
+          <p:cNvPr id="6" name="Vertical Title 5"/>
           <p:cNvSpPr>
             <a:spLocks noGrp="1"/>
           </p:cNvSpPr>
           <p:nvPr>
             <p:ph type="title"/>
+          </p:nvPr>
+        </p:nvSpPr>
+        <p:spPr/>
+        <p:txBody>
+          <a:bodyPr/>
+          <a:lstStyle/>
+          <a:p>
+            <a:pPr algn="ctr"/>
+            <a:r>
+              <a:rPr lang="en-US" dirty="0" smtClean="0"/>
+              <a:t>GUI Application</a:t>
+            </a:r>
+            <a:endParaRPr lang="en-US" dirty="0"/>
+          </a:p>
+        </p:txBody>
+      </p:sp>
+      <p:sp>
+        <p:nvSpPr>
+          <p:cNvPr id="7" name="Vertical Text Placeholder 6"/>
+          <p:cNvSpPr>
+            <a:spLocks noGrp="1"/>
+          </p:cNvSpPr>
+          <p:nvPr>
+            <p:ph idx="1"/>
           </p:nvPr>
         </p:nvSpPr>
         <p:spPr>
           <a:xfrm>
-            <a:off x="850985" y="866120"/>
-            <a:ext cx="5893840" cy="2645912"/>
+            <a:off x="554438" y="5197097"/>
+            <a:ext cx="7660270" cy="1048506"/>
           </a:xfrm>
         </p:spPr>
         <p:txBody>
-          <a:bodyPr/>
-          <a:lstStyle/>
-          <a:p>
-            <a:pPr algn="ctr"/>
-            <a:r>
-              <a:rPr lang="en-US" smtClean="0"/>
-              <a:t>Modular </a:t>
+          <a:bodyPr vert="horz">
+            <a:normAutofit fontScale="92500" lnSpcReduction="10000"/>
+          </a:bodyPr>
+          <a:lstStyle/>
+          <a:p>
+            <a:endParaRPr lang="en-US" dirty="0" smtClean="0"/>
+          </a:p>
+          <a:p>
+            <a:r>
+              <a:rPr lang="en-US" dirty="0" err="1" smtClean="0"/>
+              <a:t>GuiApplication</a:t>
             </a:r>
             <a:r>
               <a:rPr lang="en-US" dirty="0" smtClean="0"/>
-              <a:t>Code Base</a:t>
-            </a:r>
-            <a:br>
+              <a:t> </a:t>
+            </a:r>
+            <a:r>
+              <a:rPr lang="en-US" dirty="0"/>
+              <a:t>is an interface that requires </a:t>
+            </a:r>
+            <a:r>
               <a:rPr lang="en-US" dirty="0" smtClean="0"/>
-            </a:br>
-            <a:r>
-              <a:rPr lang="en-US" sz="1800" b="0" dirty="0" smtClean="0"/>
-              <a:t>[ Launcher, </a:t>
-            </a:r>
-            <a:r>
-              <a:rPr lang="en-US" sz="1800" b="0" dirty="0" err="1" smtClean="0"/>
-              <a:t>MenuBar</a:t>
-            </a:r>
-            <a:r>
-              <a:rPr lang="en-US" sz="1800" b="0" dirty="0" smtClean="0"/>
-              <a:t>, </a:t>
-            </a:r>
-            <a:r>
-              <a:rPr lang="en-US" sz="1800" b="0" dirty="0" err="1" smtClean="0"/>
-              <a:t>GuiApplication</a:t>
-            </a:r>
-            <a:r>
-              <a:rPr lang="en-US" sz="1800" b="0" dirty="0" smtClean="0"/>
-              <a:t>]</a:t>
+              <a:t>you </a:t>
             </a:r>
             <a:r>
               <a:rPr lang="en-US" dirty="0"/>
-              <a:t/>
-            </a:r>
-            <a:br>
-              <a:rPr lang="en-US" dirty="0"/>
-            </a:br>
-            <a:r>
-              <a:rPr lang="en-US" dirty="0" smtClean="0"/>
-              <a:t/>
-            </a:r>
-            <a:br>
-              <a:rPr lang="en-US" dirty="0" smtClean="0"/>
-            </a:br>
-            <a:endParaRPr lang="en-US" dirty="0"/>
-          </a:p>
-        </p:txBody>
-      </p:sp>
-      <p:sp>
-        <p:nvSpPr>
-          <p:cNvPr id="3" name="Text Placeholder 2"/>
-          <p:cNvSpPr>
-            <a:spLocks noGrp="1"/>
-          </p:cNvSpPr>
-          <p:nvPr>
-            <p:ph type="body" idx="1"/>
+              <a:t>implementation to create new a window view. </a:t>
+            </a:r>
+          </a:p>
+          <a:p>
+            <a:endParaRPr lang="en-US" dirty="0"/>
+          </a:p>
+        </p:txBody>
+      </p:sp>
+      <p:sp>
+        <p:nvSpPr>
+          <p:cNvPr id="4" name="Text Placeholder 3"/>
+          <p:cNvSpPr>
+            <a:spLocks noGrp="1"/>
+          </p:cNvSpPr>
+          <p:nvPr>
+            <p:ph type="body" sz="quarter" idx="4294967295"/>
           </p:nvPr>
         </p:nvSpPr>
         <p:spPr>
           <a:xfrm>
-            <a:off x="853190" y="4443680"/>
-            <a:ext cx="5891636" cy="1063502"/>
+            <a:off x="8214708" y="1251384"/>
+            <a:ext cx="3616325" cy="5135562"/>
           </a:xfrm>
         </p:spPr>
         <p:txBody>
           <a:bodyPr/>
           <a:lstStyle/>
           <a:p>
-            <a:r>
-              <a:rPr lang="en-US"/>
-              <a:t>Implementing modular code base that can be easily added/removed without affecting other functionality. </a:t>
-            </a:r>
-            <a:endParaRPr lang="en-US" dirty="0"/>
-          </a:p>
-        </p:txBody>
-      </p:sp>
-      <p:sp>
-        <p:nvSpPr>
-          <p:cNvPr id="4" name="Text Placeholder 3"/>
-          <p:cNvSpPr>
-            <a:spLocks noGrp="1"/>
-          </p:cNvSpPr>
-          <p:nvPr>
-            <p:ph type="body" sz="quarter" idx="16"/>
-          </p:nvPr>
-        </p:nvSpPr>
+            <a:pPr algn="ctr"/>
+            <a:r>
+              <a:rPr lang="en-US" dirty="0" smtClean="0"/>
+              <a:t>Ensures that </a:t>
+            </a:r>
+            <a:r>
+              <a:rPr lang="en-US" dirty="0"/>
+              <a:t>every window is organized and has all its dependencies.</a:t>
+            </a:r>
+          </a:p>
+          <a:p>
+            <a:pPr algn="ctr"/>
+            <a:endParaRPr lang="en-US" dirty="0" smtClean="0"/>
+          </a:p>
+          <a:p>
+            <a:pPr algn="ctr"/>
+            <a:r>
+              <a:rPr lang="en-US" dirty="0" smtClean="0"/>
+              <a:t>Every window was set with </a:t>
+            </a:r>
+            <a:r>
+              <a:rPr lang="en-US" dirty="0" err="1" smtClean="0"/>
+              <a:t>BorderPane.setCenter</a:t>
+            </a:r>
+            <a:r>
+              <a:rPr lang="en-US" dirty="0" smtClean="0"/>
+              <a:t>(); so our stage was dynamically changing content.</a:t>
+            </a:r>
+            <a:endParaRPr lang="en-US" dirty="0"/>
+          </a:p>
+        </p:txBody>
+      </p:sp>
+      <p:pic>
+        <p:nvPicPr>
+          <p:cNvPr id="5" name="Picture 4"/>
+          <p:cNvPicPr>
+            <a:picLocks noChangeAspect="1"/>
+          </p:cNvPicPr>
+          <p:nvPr/>
+        </p:nvPicPr>
+        <p:blipFill>
+          <a:blip r:embed="rId2"/>
+          <a:stretch>
+            <a:fillRect/>
+          </a:stretch>
+        </p:blipFill>
         <p:spPr>
           <a:xfrm>
-            <a:off x="7107382" y="873637"/>
-            <a:ext cx="4821382" cy="4075465"/>
+            <a:off x="795591" y="2431473"/>
+            <a:ext cx="6741208" cy="2765624"/>
           </a:xfrm>
+          <a:prstGeom prst="rect">
+            <a:avLst/>
+          </a:prstGeom>
         </p:spPr>
-        <p:txBody>
-          <a:bodyPr/>
-          <a:lstStyle/>
-          <a:p>
-            <a:r>
-              <a:rPr lang="en-US" dirty="0" err="1" smtClean="0"/>
-              <a:t>GuiApplication</a:t>
-            </a:r>
-            <a:r>
-              <a:rPr lang="en-US" dirty="0" smtClean="0"/>
-              <a:t> is an interface for creating windows.</a:t>
-            </a:r>
-          </a:p>
-          <a:p>
-            <a:endParaRPr lang="en-US" dirty="0"/>
-          </a:p>
-          <a:p>
-            <a:r>
-              <a:rPr lang="en-US" dirty="0" err="1" smtClean="0"/>
-              <a:t>MenuBar</a:t>
-            </a:r>
-            <a:r>
-              <a:rPr lang="en-US" dirty="0" smtClean="0"/>
-              <a:t> is a standalone addition to our main stage. It only appears after login and can be added/remove easily.</a:t>
-            </a:r>
-          </a:p>
-          <a:p>
-            <a:endParaRPr lang="en-US" dirty="0"/>
-          </a:p>
-          <a:p>
-            <a:r>
-              <a:rPr lang="en-US" dirty="0" err="1" smtClean="0"/>
-              <a:t>BorderPane.setCenter</a:t>
-            </a:r>
-            <a:r>
-              <a:rPr lang="en-US" dirty="0" smtClean="0"/>
-              <a:t>() was used to dynamically change content on our existing main stage.</a:t>
-            </a:r>
-          </a:p>
-          <a:p>
-            <a:endParaRPr lang="en-US" dirty="0"/>
-          </a:p>
-          <a:p>
-            <a:endParaRPr lang="en-US" dirty="0" smtClean="0"/>
-          </a:p>
-        </p:txBody>
-      </p:sp>
+      </p:pic>
     </p:spTree>
     <p:extLst>
       <p:ext uri="{BB962C8B-B14F-4D97-AF65-F5344CB8AC3E}">
-        <p14:creationId xmlns:p14="http://schemas.microsoft.com/office/powerpoint/2010/main" val="1680332155"/>
+        <p14:creationId xmlns:p14="http://schemas.microsoft.com/office/powerpoint/2010/main" val="1569892083"/>
       </p:ext>
     </p:extLst>
   </p:cSld>
@@ -6206,163 +6346,167 @@
       </p:grpSpPr>
       <p:sp>
         <p:nvSpPr>
-          <p:cNvPr id="6" name="Vertical Title 5"/>
-          <p:cNvSpPr>
-            <a:spLocks noGrp="1"/>
-          </p:cNvSpPr>
-          <p:nvPr>
-            <p:ph type="title" orient="vert"/>
+          <p:cNvPr id="5" name="Title 4"/>
+          <p:cNvSpPr>
+            <a:spLocks noGrp="1"/>
+          </p:cNvSpPr>
+          <p:nvPr>
+            <p:ph type="title"/>
+          </p:nvPr>
+        </p:nvSpPr>
+        <p:spPr/>
+        <p:txBody>
+          <a:bodyPr/>
+          <a:lstStyle/>
+          <a:p>
+            <a:pPr algn="ctr"/>
+            <a:r>
+              <a:rPr lang="en-US" dirty="0"/>
+              <a:t>Static Methodology </a:t>
+            </a:r>
+            <a:br>
+              <a:rPr lang="en-US" dirty="0"/>
+            </a:br>
+            <a:r>
+              <a:rPr lang="en-US" sz="1600" b="0" dirty="0"/>
+              <a:t>[ </a:t>
+            </a:r>
+            <a:r>
+              <a:rPr lang="en-US" sz="1600" b="0" dirty="0" err="1"/>
+              <a:t>APZState</a:t>
+            </a:r>
+            <a:r>
+              <a:rPr lang="en-US" sz="1600" b="0" dirty="0"/>
+              <a:t>, </a:t>
+            </a:r>
+            <a:r>
+              <a:rPr lang="en-US" sz="1600" b="0" dirty="0" err="1"/>
+              <a:t>AdminState</a:t>
+            </a:r>
+            <a:r>
+              <a:rPr lang="en-US" sz="1600" b="0" dirty="0"/>
+              <a:t>, </a:t>
+            </a:r>
+            <a:r>
+              <a:rPr lang="en-US" sz="1600" b="0" dirty="0" err="1"/>
+              <a:t>FilePath</a:t>
+            </a:r>
+            <a:r>
+              <a:rPr lang="en-US" sz="1600" b="0" dirty="0"/>
+              <a:t>]</a:t>
+            </a:r>
+            <a:endParaRPr lang="en-US" sz="1600" dirty="0"/>
+          </a:p>
+        </p:txBody>
+      </p:sp>
+      <p:sp>
+        <p:nvSpPr>
+          <p:cNvPr id="6" name="Content Placeholder 5"/>
+          <p:cNvSpPr>
+            <a:spLocks noGrp="1"/>
+          </p:cNvSpPr>
+          <p:nvPr>
+            <p:ph sz="half" idx="1"/>
+          </p:nvPr>
+        </p:nvSpPr>
+        <p:spPr/>
+        <p:txBody>
+          <a:bodyPr/>
+          <a:lstStyle/>
+          <a:p>
+            <a:r>
+              <a:rPr lang="en-US" dirty="0" smtClean="0"/>
+              <a:t>Implementing </a:t>
+            </a:r>
+            <a:r>
+              <a:rPr lang="en-US" dirty="0"/>
+              <a:t>static methods and variables that can be accessed multiple times in a singleton manner</a:t>
+            </a:r>
+            <a:r>
+              <a:rPr lang="en-US" dirty="0" smtClean="0"/>
+              <a:t>.</a:t>
+            </a:r>
+          </a:p>
+          <a:p>
+            <a:endParaRPr lang="en-US" dirty="0"/>
+          </a:p>
+          <a:p>
+            <a:endParaRPr lang="en-US" dirty="0" smtClean="0"/>
+          </a:p>
+          <a:p>
+            <a:endParaRPr lang="en-US" dirty="0"/>
+          </a:p>
+          <a:p>
+            <a:endParaRPr lang="en-US" dirty="0" smtClean="0"/>
+          </a:p>
+          <a:p>
+            <a:endParaRPr lang="en-US" dirty="0"/>
+          </a:p>
+          <a:p>
+            <a:endParaRPr lang="en-US" dirty="0"/>
+          </a:p>
+        </p:txBody>
+      </p:sp>
+      <p:sp>
+        <p:nvSpPr>
+          <p:cNvPr id="7" name="Content Placeholder 6"/>
+          <p:cNvSpPr>
+            <a:spLocks noGrp="1"/>
+          </p:cNvSpPr>
+          <p:nvPr>
+            <p:ph sz="half" idx="2"/>
           </p:nvPr>
         </p:nvSpPr>
         <p:spPr>
           <a:xfrm>
-            <a:off x="7934158" y="586171"/>
-            <a:ext cx="2494791" cy="5134798"/>
+            <a:off x="6187415" y="2222287"/>
+            <a:ext cx="5194583" cy="4074604"/>
           </a:xfrm>
         </p:spPr>
         <p:txBody>
           <a:bodyPr/>
           <a:lstStyle/>
           <a:p>
-            <a:pPr algn="ctr"/>
+            <a:r>
+              <a:rPr lang="en-US" dirty="0" err="1"/>
+              <a:t>APZState</a:t>
+            </a:r>
+            <a:r>
+              <a:rPr lang="en-US" dirty="0"/>
+              <a:t> would save our user information.</a:t>
+            </a:r>
+          </a:p>
+          <a:p>
+            <a:endParaRPr lang="en-US" dirty="0"/>
+          </a:p>
+          <a:p>
+            <a:r>
+              <a:rPr lang="en-US" dirty="0" err="1"/>
+              <a:t>AdminState</a:t>
+            </a:r>
+            <a:r>
+              <a:rPr lang="en-US" dirty="0"/>
+              <a:t> saved software configured files.</a:t>
+            </a:r>
+          </a:p>
+          <a:p>
+            <a:endParaRPr lang="en-US" dirty="0"/>
+          </a:p>
+          <a:p>
+            <a:r>
+              <a:rPr lang="en-US" dirty="0"/>
+              <a:t>File Path would save paths to files via String</a:t>
+            </a:r>
             <a:r>
               <a:rPr lang="en-US" dirty="0" smtClean="0"/>
-              <a:t>GUI Application</a:t>
-            </a:r>
-            <a:endParaRPr lang="en-US" dirty="0"/>
-          </a:p>
-        </p:txBody>
-      </p:sp>
-      <p:sp>
-        <p:nvSpPr>
-          <p:cNvPr id="4" name="Text Placeholder 3"/>
-          <p:cNvSpPr>
-            <a:spLocks noGrp="1"/>
-          </p:cNvSpPr>
-          <p:nvPr>
-            <p:ph type="body" sz="quarter" idx="4294967295"/>
-          </p:nvPr>
-        </p:nvSpPr>
-        <p:spPr>
-          <a:xfrm>
-            <a:off x="8395854" y="586171"/>
-            <a:ext cx="3616037" cy="5134798"/>
-          </a:xfrm>
-        </p:spPr>
-        <p:txBody>
-          <a:bodyPr/>
-          <a:lstStyle/>
-          <a:p>
-            <a:pPr algn="ctr"/>
-            <a:r>
-              <a:rPr lang="en-US" dirty="0" smtClean="0"/>
-              <a:t>Ensures that </a:t>
-            </a:r>
-            <a:r>
-              <a:rPr lang="en-US" dirty="0"/>
-              <a:t>every window is organized and has all its dependencies.</a:t>
-            </a:r>
-          </a:p>
-          <a:p>
-            <a:pPr algn="ctr"/>
+              <a:t>.</a:t>
+            </a:r>
+          </a:p>
+          <a:p>
+            <a:endParaRPr lang="en-US" dirty="0"/>
+          </a:p>
+          <a:p>
             <a:endParaRPr lang="en-US" dirty="0" smtClean="0"/>
-          </a:p>
-          <a:p>
-            <a:pPr algn="ctr"/>
-            <a:r>
-              <a:rPr lang="en-US" dirty="0" smtClean="0"/>
-              <a:t>Every window was set with </a:t>
-            </a:r>
-            <a:r>
-              <a:rPr lang="en-US" dirty="0" err="1" smtClean="0"/>
-              <a:t>BorderPane.setCenter</a:t>
-            </a:r>
-            <a:r>
-              <a:rPr lang="en-US" dirty="0" smtClean="0"/>
-              <a:t>(); so our stage was dynamically changing content.</a:t>
-            </a:r>
-            <a:endParaRPr lang="en-US" dirty="0"/>
-          </a:p>
-        </p:txBody>
-      </p:sp>
-      <p:pic>
-        <p:nvPicPr>
-          <p:cNvPr id="5" name="Picture 4"/>
-          <p:cNvPicPr>
-            <a:picLocks noChangeAspect="1"/>
-          </p:cNvPicPr>
-          <p:nvPr/>
-        </p:nvPicPr>
-        <p:blipFill>
-          <a:blip r:embed="rId2"/>
-          <a:stretch>
-            <a:fillRect/>
-          </a:stretch>
-        </p:blipFill>
-        <p:spPr>
-          <a:xfrm>
-            <a:off x="764862" y="1342259"/>
-            <a:ext cx="6048890" cy="2481596"/>
-          </a:xfrm>
-          <a:prstGeom prst="rect">
-            <a:avLst/>
-          </a:prstGeom>
-        </p:spPr>
-      </p:pic>
-      <p:sp>
-        <p:nvSpPr>
-          <p:cNvPr id="7" name="Vertical Text Placeholder 6"/>
-          <p:cNvSpPr>
-            <a:spLocks noGrp="1"/>
-          </p:cNvSpPr>
-          <p:nvPr>
-            <p:ph type="body" orient="vert" idx="1"/>
-          </p:nvPr>
-        </p:nvSpPr>
-        <p:spPr/>
-        <p:txBody>
-          <a:bodyPr vert="horz"/>
-          <a:lstStyle/>
-          <a:p>
-            <a:endParaRPr lang="en-US" dirty="0" smtClean="0"/>
-          </a:p>
-          <a:p>
-            <a:endParaRPr lang="en-US" dirty="0"/>
-          </a:p>
-          <a:p>
-            <a:endParaRPr lang="en-US" dirty="0" smtClean="0"/>
-          </a:p>
-          <a:p>
-            <a:endParaRPr lang="en-US" dirty="0"/>
-          </a:p>
-          <a:p>
-            <a:endParaRPr lang="en-US" dirty="0" smtClean="0"/>
-          </a:p>
-          <a:p>
-            <a:endParaRPr lang="en-US" dirty="0"/>
-          </a:p>
-          <a:p>
-            <a:endParaRPr lang="en-US" dirty="0" smtClean="0"/>
-          </a:p>
-          <a:p>
-            <a:endParaRPr lang="en-US" dirty="0"/>
-          </a:p>
-          <a:p>
-            <a:endParaRPr lang="en-US" dirty="0" smtClean="0"/>
-          </a:p>
-          <a:p>
-            <a:r>
-              <a:rPr lang="en-US" dirty="0" err="1" smtClean="0"/>
-              <a:t>GuiApplication</a:t>
-            </a:r>
-            <a:r>
-              <a:rPr lang="en-US" dirty="0" smtClean="0"/>
-              <a:t> </a:t>
-            </a:r>
-            <a:r>
-              <a:rPr lang="en-US" dirty="0"/>
-              <a:t>is an interface that requires you implementation to create new a window view. </a:t>
-            </a:r>
           </a:p>
           <a:p>
             <a:endParaRPr lang="en-US" dirty="0"/>
@@ -6372,7 +6516,7 @@
     </p:spTree>
     <p:extLst>
       <p:ext uri="{BB962C8B-B14F-4D97-AF65-F5344CB8AC3E}">
-        <p14:creationId xmlns:p14="http://schemas.microsoft.com/office/powerpoint/2010/main" val="1569892083"/>
+        <p14:creationId xmlns:p14="http://schemas.microsoft.com/office/powerpoint/2010/main" val="553504264"/>
       </p:ext>
     </p:extLst>
   </p:cSld>
@@ -6401,7 +6545,7 @@
       </p:grpSpPr>
       <p:sp>
         <p:nvSpPr>
-          <p:cNvPr id="2" name="Title 1"/>
+          <p:cNvPr id="6" name="Vertical Title 5"/>
           <p:cNvSpPr>
             <a:spLocks noGrp="1"/>
           </p:cNvSpPr>
@@ -6417,137 +6561,148 @@
             <a:pPr algn="ctr"/>
             <a:r>
               <a:rPr lang="en-US" dirty="0" smtClean="0"/>
-              <a:t>Static Methodology </a:t>
-            </a:r>
-            <a:br>
-              <a:rPr lang="en-US" dirty="0" smtClean="0"/>
-            </a:br>
-            <a:r>
-              <a:rPr lang="en-US" sz="1800" b="0" dirty="0" smtClean="0"/>
-              <a:t>[ </a:t>
-            </a:r>
-            <a:r>
-              <a:rPr lang="en-US" sz="1800" b="0" dirty="0" err="1" smtClean="0"/>
-              <a:t>APZState</a:t>
-            </a:r>
-            <a:r>
-              <a:rPr lang="en-US" sz="1800" b="0" dirty="0" smtClean="0"/>
-              <a:t>, </a:t>
-            </a:r>
-            <a:r>
-              <a:rPr lang="en-US" sz="1800" b="0" dirty="0" err="1" smtClean="0"/>
-              <a:t>AdminState</a:t>
-            </a:r>
-            <a:r>
-              <a:rPr lang="en-US" sz="1800" b="0" dirty="0" smtClean="0"/>
-              <a:t>, </a:t>
-            </a:r>
-            <a:r>
-              <a:rPr lang="en-US" sz="1800" b="0" dirty="0" err="1" smtClean="0"/>
-              <a:t>FilePath</a:t>
-            </a:r>
-            <a:r>
-              <a:rPr lang="en-US" sz="1800" b="0" dirty="0" smtClean="0"/>
-              <a:t>]</a:t>
-            </a:r>
-            <a:r>
-              <a:rPr lang="en-US" dirty="0"/>
-              <a:t/>
-            </a:r>
-            <a:br>
-              <a:rPr lang="en-US" dirty="0"/>
-            </a:br>
-            <a:r>
-              <a:rPr lang="en-US" dirty="0" smtClean="0"/>
-              <a:t/>
-            </a:r>
-            <a:br>
-              <a:rPr lang="en-US" dirty="0" smtClean="0"/>
-            </a:br>
-            <a:endParaRPr lang="en-US" dirty="0"/>
-          </a:p>
-        </p:txBody>
-      </p:sp>
-      <p:sp>
-        <p:nvSpPr>
-          <p:cNvPr id="3" name="Text Placeholder 2"/>
-          <p:cNvSpPr>
-            <a:spLocks noGrp="1"/>
-          </p:cNvSpPr>
-          <p:nvPr>
-            <p:ph type="body" idx="1"/>
+              <a:t>File Path</a:t>
+            </a:r>
+            <a:endParaRPr lang="en-US" dirty="0"/>
+          </a:p>
+        </p:txBody>
+      </p:sp>
+      <p:sp>
+        <p:nvSpPr>
+          <p:cNvPr id="7" name="Vertical Text Placeholder 6"/>
+          <p:cNvSpPr>
+            <a:spLocks noGrp="1"/>
+          </p:cNvSpPr>
+          <p:nvPr>
+            <p:ph idx="1"/>
           </p:nvPr>
         </p:nvSpPr>
         <p:spPr>
           <a:xfrm>
-            <a:off x="853190" y="4443680"/>
-            <a:ext cx="5891636" cy="1146629"/>
+            <a:off x="360372" y="5387602"/>
+            <a:ext cx="7660270" cy="1048506"/>
           </a:xfrm>
         </p:spPr>
         <p:txBody>
+          <a:bodyPr vert="horz">
+            <a:normAutofit fontScale="92500" lnSpcReduction="10000"/>
+          </a:bodyPr>
+          <a:lstStyle/>
+          <a:p>
+            <a:endParaRPr lang="en-US" dirty="0" smtClean="0"/>
+          </a:p>
+          <a:p>
+            <a:r>
+              <a:rPr lang="en-US" dirty="0" err="1" smtClean="0"/>
+              <a:t>GuiApplication</a:t>
+            </a:r>
+            <a:r>
+              <a:rPr lang="en-US" dirty="0" smtClean="0"/>
+              <a:t> </a:t>
+            </a:r>
+            <a:r>
+              <a:rPr lang="en-US" dirty="0"/>
+              <a:t>is an interface that requires </a:t>
+            </a:r>
+            <a:r>
+              <a:rPr lang="en-US" dirty="0" smtClean="0"/>
+              <a:t>you </a:t>
+            </a:r>
+            <a:r>
+              <a:rPr lang="en-US" dirty="0"/>
+              <a:t>implementation to create new a window view. </a:t>
+            </a:r>
+          </a:p>
+          <a:p>
+            <a:endParaRPr lang="en-US" dirty="0"/>
+          </a:p>
+        </p:txBody>
+      </p:sp>
+      <p:sp>
+        <p:nvSpPr>
+          <p:cNvPr id="4" name="Text Placeholder 3"/>
+          <p:cNvSpPr>
+            <a:spLocks noGrp="1"/>
+          </p:cNvSpPr>
+          <p:nvPr>
+            <p:ph type="body" sz="quarter" idx="4294967295"/>
+          </p:nvPr>
+        </p:nvSpPr>
+        <p:spPr>
+          <a:xfrm>
+            <a:off x="7669677" y="1292948"/>
+            <a:ext cx="4362995" cy="5135562"/>
+          </a:xfrm>
+        </p:spPr>
+        <p:txBody>
           <a:bodyPr/>
           <a:lstStyle/>
           <a:p>
             <a:r>
-              <a:rPr lang="en-US" dirty="0" smtClean="0"/>
-              <a:t>Implementing static methods and variables that can be accessed multiple times in a singleton manner.</a:t>
-            </a:r>
-            <a:endParaRPr lang="en-US" dirty="0"/>
-          </a:p>
-        </p:txBody>
-      </p:sp>
-      <p:sp>
-        <p:nvSpPr>
-          <p:cNvPr id="4" name="Text Placeholder 3"/>
-          <p:cNvSpPr>
-            <a:spLocks noGrp="1"/>
-          </p:cNvSpPr>
-          <p:nvPr>
-            <p:ph type="body" sz="quarter" idx="16"/>
-          </p:nvPr>
-        </p:nvSpPr>
-        <p:spPr/>
-        <p:txBody>
-          <a:bodyPr/>
-          <a:lstStyle/>
-          <a:p>
-            <a:r>
-              <a:rPr lang="en-US" dirty="0" err="1" smtClean="0"/>
-              <a:t>APZState</a:t>
-            </a:r>
-            <a:r>
-              <a:rPr lang="en-US" dirty="0" smtClean="0"/>
-              <a:t> would save our user information.</a:t>
-            </a:r>
-          </a:p>
-          <a:p>
-            <a:endParaRPr lang="en-US" dirty="0"/>
-          </a:p>
-          <a:p>
-            <a:r>
-              <a:rPr lang="en-US" dirty="0" err="1" smtClean="0"/>
-              <a:t>AdminState</a:t>
-            </a:r>
-            <a:r>
-              <a:rPr lang="en-US" dirty="0" smtClean="0"/>
-              <a:t> saved software configured files.</a:t>
-            </a:r>
-          </a:p>
-          <a:p>
-            <a:endParaRPr lang="en-US" dirty="0"/>
-          </a:p>
-          <a:p>
-            <a:r>
-              <a:rPr lang="en-US" dirty="0" smtClean="0"/>
-              <a:t>File Path would save paths to files via String.</a:t>
-            </a:r>
-          </a:p>
-        </p:txBody>
-      </p:sp>
+              <a:rPr lang="en-US" dirty="0" err="1"/>
+              <a:t>FilePath</a:t>
+            </a:r>
+            <a:r>
+              <a:rPr lang="en-US" dirty="0"/>
+              <a:t> for example was used to set the path for images. Instead of navigating through code and changing the path if need be, we had a file path class where we stored all the paths.</a:t>
+            </a:r>
+          </a:p>
+          <a:p>
+            <a:endParaRPr lang="en-US" dirty="0"/>
+          </a:p>
+          <a:p>
+            <a:r>
+              <a:rPr lang="en-US" dirty="0"/>
+              <a:t>Ex. </a:t>
+            </a:r>
+            <a:r>
+              <a:rPr lang="en-US" sz="1600" dirty="0" smtClean="0"/>
+              <a:t>new </a:t>
+            </a:r>
+            <a:r>
+              <a:rPr lang="en-US" sz="1600" dirty="0"/>
+              <a:t>Image(</a:t>
+            </a:r>
+            <a:r>
+              <a:rPr lang="en-US" sz="1600" dirty="0" err="1"/>
+              <a:t>FilePath.LOGO_IMAGE</a:t>
+            </a:r>
+            <a:r>
+              <a:rPr lang="en-US" sz="1600" dirty="0"/>
+              <a:t>);</a:t>
+            </a:r>
+            <a:endParaRPr lang="en-US" sz="1600" dirty="0"/>
+          </a:p>
+        </p:txBody>
+      </p:sp>
+      <p:pic>
+        <p:nvPicPr>
+          <p:cNvPr id="8" name="Picture 7"/>
+          <p:cNvPicPr>
+            <a:picLocks noChangeAspect="1"/>
+          </p:cNvPicPr>
+          <p:nvPr/>
+        </p:nvPicPr>
+        <p:blipFill>
+          <a:blip r:embed="rId2"/>
+          <a:stretch>
+            <a:fillRect/>
+          </a:stretch>
+        </p:blipFill>
+        <p:spPr>
+          <a:xfrm>
+            <a:off x="381154" y="2324138"/>
+            <a:ext cx="7184613" cy="3247034"/>
+          </a:xfrm>
+          <a:prstGeom prst="rect">
+            <a:avLst/>
+          </a:prstGeom>
+        </p:spPr>
+      </p:pic>
     </p:spTree>
     <p:extLst>
       <p:ext uri="{BB962C8B-B14F-4D97-AF65-F5344CB8AC3E}">
-        <p14:creationId xmlns:p14="http://schemas.microsoft.com/office/powerpoint/2010/main" val="1500599546"/>
+        <p14:creationId xmlns:p14="http://schemas.microsoft.com/office/powerpoint/2010/main" val="1452787410"/>
       </p:ext>
     </p:extLst>
   </p:cSld>
@@ -6576,7 +6731,7 @@
       </p:grpSpPr>
       <p:sp>
         <p:nvSpPr>
-          <p:cNvPr id="2" name="Title 1"/>
+          <p:cNvPr id="6" name="Vertical Title 5"/>
           <p:cNvSpPr>
             <a:spLocks noGrp="1"/>
           </p:cNvSpPr>
@@ -6589,39 +6744,46 @@
           <a:bodyPr/>
           <a:lstStyle/>
           <a:p>
-            <a:endParaRPr lang="en-US"/>
-          </a:p>
-        </p:txBody>
-      </p:sp>
-      <p:sp>
-        <p:nvSpPr>
-          <p:cNvPr id="3" name="Text Placeholder 2"/>
-          <p:cNvSpPr>
-            <a:spLocks noGrp="1"/>
-          </p:cNvSpPr>
-          <p:nvPr>
-            <p:ph type="body" idx="1"/>
+            <a:pPr algn="ctr"/>
+            <a:r>
+              <a:rPr lang="en-US" dirty="0" err="1" smtClean="0"/>
+              <a:t>APZState</a:t>
+            </a:r>
+            <a:endParaRPr lang="en-US" dirty="0"/>
+          </a:p>
+        </p:txBody>
+      </p:sp>
+      <p:sp>
+        <p:nvSpPr>
+          <p:cNvPr id="7" name="Vertical Text Placeholder 6"/>
+          <p:cNvSpPr>
+            <a:spLocks noGrp="1"/>
+          </p:cNvSpPr>
+          <p:nvPr>
+            <p:ph idx="1"/>
           </p:nvPr>
         </p:nvSpPr>
         <p:spPr>
           <a:xfrm>
-            <a:off x="853190" y="4443680"/>
-            <a:ext cx="5891636" cy="1250538"/>
+            <a:off x="360372" y="5387602"/>
+            <a:ext cx="7660270" cy="1048506"/>
           </a:xfrm>
         </p:spPr>
         <p:txBody>
-          <a:bodyPr/>
-          <a:lstStyle/>
-          <a:p>
+          <a:bodyPr vert="horz">
+            <a:normAutofit/>
+          </a:bodyPr>
+          <a:lstStyle/>
+          <a:p>
+            <a:r>
+              <a:rPr lang="en-US" dirty="0" err="1" smtClean="0"/>
+              <a:t>APZState</a:t>
+            </a:r>
             <a:r>
               <a:rPr lang="en-US" dirty="0" smtClean="0"/>
-              <a:t>This static classes with public static variables can be called via </a:t>
-            </a:r>
-            <a:r>
-              <a:rPr lang="en-US" b="1" dirty="0" err="1" smtClean="0"/>
-              <a:t>ClassName.Variable</a:t>
-            </a:r>
-            <a:endParaRPr lang="en-US" b="1" dirty="0"/>
+              <a:t> had static methods to save and load in files. </a:t>
+            </a:r>
+            <a:endParaRPr lang="en-US" dirty="0"/>
           </a:p>
         </p:txBody>
       </p:sp>
@@ -6632,13 +6794,13 @@
             <a:spLocks noGrp="1"/>
           </p:cNvSpPr>
           <p:nvPr>
-            <p:ph type="body" sz="quarter" idx="16"/>
+            <p:ph type="body" sz="quarter" idx="4294967295"/>
           </p:nvPr>
         </p:nvSpPr>
         <p:spPr>
           <a:xfrm>
-            <a:off x="7221350" y="1074980"/>
-            <a:ext cx="4617358" cy="4075465"/>
+            <a:off x="7669677" y="1292948"/>
+            <a:ext cx="4362995" cy="5135562"/>
           </a:xfrm>
         </p:spPr>
         <p:txBody>
@@ -6646,37 +6808,34 @@
           <a:lstStyle/>
           <a:p>
             <a:r>
+              <a:rPr lang="en-US" dirty="0" smtClean="0"/>
+              <a:t>If a save state had to be called, it would be done so via </a:t>
+            </a:r>
+            <a:r>
               <a:rPr lang="en-US" dirty="0" err="1" smtClean="0"/>
-              <a:t>FilePath</a:t>
+              <a:t>APZState.saveInformation</a:t>
             </a:r>
             <a:r>
               <a:rPr lang="en-US" dirty="0" smtClean="0"/>
-              <a:t> for example was used to set the path for images. Instead of navigating through code and changing the path if need be, we had a file path class where we stored all the paths.</a:t>
-            </a:r>
-          </a:p>
-          <a:p>
-            <a:endParaRPr lang="en-US" dirty="0" smtClean="0"/>
+              <a:t>();</a:t>
+            </a:r>
+            <a:endParaRPr lang="en-US" dirty="0"/>
+          </a:p>
+          <a:p>
+            <a:endParaRPr lang="en-US" dirty="0"/>
           </a:p>
           <a:p>
             <a:r>
               <a:rPr lang="en-US" dirty="0" smtClean="0"/>
-              <a:t>Ex. new Image(</a:t>
-            </a:r>
-            <a:r>
-              <a:rPr lang="en-US" dirty="0" err="1" smtClean="0"/>
-              <a:t>FilePath.LOGO_IMAGE</a:t>
-            </a:r>
-            <a:r>
-              <a:rPr lang="en-US" dirty="0" smtClean="0"/>
-              <a:t>);</a:t>
-            </a:r>
-            <a:endParaRPr lang="en-US" dirty="0"/>
+              <a:t>This was thought of in regards to the Singleton pattern but it did not have to exist as an object or store objects so Singleton was not used.</a:t>
+            </a:r>
+            <a:endParaRPr lang="en-US" sz="1600" dirty="0"/>
           </a:p>
         </p:txBody>
       </p:sp>
       <p:pic>
         <p:nvPicPr>
-          <p:cNvPr id="5" name="Picture 4"/>
+          <p:cNvPr id="2" name="Picture 1"/>
           <p:cNvPicPr>
             <a:picLocks noChangeAspect="1"/>
           </p:cNvPicPr>
@@ -6690,8 +6849,8 @@
         </p:blipFill>
         <p:spPr>
           <a:xfrm>
-            <a:off x="692755" y="1158108"/>
-            <a:ext cx="6210300" cy="2806700"/>
+            <a:off x="408861" y="2453986"/>
+            <a:ext cx="6877451" cy="2954398"/>
           </a:xfrm>
           <a:prstGeom prst="rect">
             <a:avLst/>
@@ -6701,7 +6860,7 @@
     </p:spTree>
     <p:extLst>
       <p:ext uri="{BB962C8B-B14F-4D97-AF65-F5344CB8AC3E}">
-        <p14:creationId xmlns:p14="http://schemas.microsoft.com/office/powerpoint/2010/main" val="1362189133"/>
+        <p14:creationId xmlns:p14="http://schemas.microsoft.com/office/powerpoint/2010/main" val="869806194"/>
       </p:ext>
     </p:extLst>
   </p:cSld>
@@ -6753,31 +6912,12 @@
       </p:sp>
       <p:sp>
         <p:nvSpPr>
-          <p:cNvPr id="3" name="Text Placeholder 2"/>
+          <p:cNvPr id="5" name="Text Placeholder 4"/>
           <p:cNvSpPr>
             <a:spLocks noGrp="1"/>
           </p:cNvSpPr>
           <p:nvPr>
             <p:ph type="body" idx="1"/>
-          </p:nvPr>
-        </p:nvSpPr>
-        <p:spPr/>
-        <p:txBody>
-          <a:bodyPr/>
-          <a:lstStyle/>
-          <a:p>
-            <a:endParaRPr lang="en-US"/>
-          </a:p>
-        </p:txBody>
-      </p:sp>
-      <p:sp>
-        <p:nvSpPr>
-          <p:cNvPr id="4" name="Text Placeholder 3"/>
-          <p:cNvSpPr>
-            <a:spLocks noGrp="1"/>
-          </p:cNvSpPr>
-          <p:nvPr>
-            <p:ph type="body" sz="quarter" idx="16"/>
           </p:nvPr>
         </p:nvSpPr>
         <p:spPr/>

--- a/CSC380 Final Presentation.pptx
+++ b/CSC380 Final Presentation.pptx
@@ -5889,7 +5889,7 @@
       </p:sp>
       <p:sp>
         <p:nvSpPr>
-          <p:cNvPr id="3" name="Text Placeholder 2"/>
+          <p:cNvPr id="5" name="Text Placeholder 4"/>
           <p:cNvSpPr>
             <a:spLocks noGrp="1"/>
           </p:cNvSpPr>
@@ -5897,53 +5897,15 @@
             <p:ph type="body" sz="quarter" idx="16"/>
           </p:nvPr>
         </p:nvSpPr>
-        <p:spPr>
-          <a:xfrm>
-            <a:off x="7082541" y="331952"/>
-            <a:ext cx="4880300" cy="2295525"/>
-          </a:xfrm>
-        </p:spPr>
+        <p:spPr/>
         <p:txBody>
           <a:bodyPr/>
           <a:lstStyle/>
           <a:p>
-            <a:r>
-              <a:rPr lang="en-US" dirty="0" smtClean="0"/>
-              <a:t>Contributions:</a:t>
-            </a:r>
-          </a:p>
-          <a:p>
-            <a:endParaRPr lang="en-US" dirty="0" smtClean="0"/>
-          </a:p>
-          <a:p>
-            <a:endParaRPr lang="en-US" dirty="0"/>
-          </a:p>
-        </p:txBody>
-      </p:sp>
-      <p:pic>
-        <p:nvPicPr>
-          <p:cNvPr id="4" name="Picture 3"/>
-          <p:cNvPicPr>
-            <a:picLocks noChangeAspect="1"/>
-          </p:cNvPicPr>
-          <p:nvPr/>
-        </p:nvPicPr>
-        <p:blipFill>
-          <a:blip r:embed="rId2"/>
-          <a:stretch>
-            <a:fillRect/>
-          </a:stretch>
-        </p:blipFill>
-        <p:spPr>
-          <a:xfrm>
-            <a:off x="6446422" y="923636"/>
-            <a:ext cx="3708400" cy="5384800"/>
-          </a:xfrm>
-          <a:prstGeom prst="rect">
-            <a:avLst/>
-          </a:prstGeom>
-        </p:spPr>
-      </p:pic>
+            <a:endParaRPr lang="en-US"/>
+          </a:p>
+        </p:txBody>
+      </p:sp>
     </p:spTree>
     <p:extLst>
       <p:ext uri="{BB962C8B-B14F-4D97-AF65-F5344CB8AC3E}">
